--- a/cylinder/discont/discussion/almost_tested.pptx
+++ b/cylinder/discont/discussion/almost_tested.pptx
@@ -3,41 +3,42 @@
 <p:presentation xmlns:a="http://schemas.openxmlformats.org/drawingml/2006/main" xmlns:p="http://schemas.openxmlformats.org/presentationml/2006/main" xmlns:r="http://schemas.openxmlformats.org/officeDocument/2006/relationships" xmlns:p14="http://schemas.microsoft.com/office/powerpoint/2010/main" xmlns:p15="http://schemas.microsoft.com/office/powerpoint/2012/main" xmlns:mc="http://schemas.openxmlformats.org/markup-compatibility/2006">
   <p:sldMasterIdLst>
     <p:sldMasterId id="2147483648" r:id="rId2"/>
+    <p:sldMasterId id="2147483661" r:id="rId3"/>
   </p:sldMasterIdLst>
   <p:sldIdLst>
-    <p:sldId id="256" r:id="rId3"/>
-    <p:sldId id="257" r:id="rId4"/>
-    <p:sldId id="258" r:id="rId5"/>
-    <p:sldId id="259" r:id="rId6"/>
-    <p:sldId id="260" r:id="rId7"/>
-    <p:sldId id="261" r:id="rId8"/>
-    <p:sldId id="262" r:id="rId9"/>
-    <p:sldId id="263" r:id="rId10"/>
-    <p:sldId id="264" r:id="rId11"/>
-    <p:sldId id="265" r:id="rId12"/>
-    <p:sldId id="266" r:id="rId13"/>
-    <p:sldId id="267" r:id="rId14"/>
-    <p:sldId id="268" r:id="rId15"/>
-    <p:sldId id="269" r:id="rId16"/>
-    <p:sldId id="270" r:id="rId17"/>
-    <p:sldId id="271" r:id="rId18"/>
-    <p:sldId id="272" r:id="rId19"/>
-    <p:sldId id="273" r:id="rId20"/>
-    <p:sldId id="274" r:id="rId21"/>
-    <p:sldId id="275" r:id="rId22"/>
-    <p:sldId id="276" r:id="rId23"/>
-    <p:sldId id="277" r:id="rId24"/>
-    <p:sldId id="278" r:id="rId25"/>
-    <p:sldId id="279" r:id="rId26"/>
-    <p:sldId id="280" r:id="rId27"/>
-    <p:sldId id="281" r:id="rId28"/>
-    <p:sldId id="282" r:id="rId29"/>
-    <p:sldId id="283" r:id="rId30"/>
-    <p:sldId id="284" r:id="rId31"/>
-    <p:sldId id="285" r:id="rId32"/>
-    <p:sldId id="286" r:id="rId33"/>
-    <p:sldId id="287" r:id="rId34"/>
-    <p:sldId id="288" r:id="rId35"/>
+    <p:sldId id="256" r:id="rId4"/>
+    <p:sldId id="257" r:id="rId5"/>
+    <p:sldId id="258" r:id="rId6"/>
+    <p:sldId id="259" r:id="rId7"/>
+    <p:sldId id="260" r:id="rId8"/>
+    <p:sldId id="261" r:id="rId9"/>
+    <p:sldId id="262" r:id="rId10"/>
+    <p:sldId id="263" r:id="rId11"/>
+    <p:sldId id="264" r:id="rId12"/>
+    <p:sldId id="265" r:id="rId13"/>
+    <p:sldId id="266" r:id="rId14"/>
+    <p:sldId id="267" r:id="rId15"/>
+    <p:sldId id="268" r:id="rId16"/>
+    <p:sldId id="269" r:id="rId17"/>
+    <p:sldId id="270" r:id="rId18"/>
+    <p:sldId id="271" r:id="rId19"/>
+    <p:sldId id="272" r:id="rId20"/>
+    <p:sldId id="273" r:id="rId21"/>
+    <p:sldId id="274" r:id="rId22"/>
+    <p:sldId id="275" r:id="rId23"/>
+    <p:sldId id="276" r:id="rId24"/>
+    <p:sldId id="277" r:id="rId25"/>
+    <p:sldId id="278" r:id="rId26"/>
+    <p:sldId id="279" r:id="rId27"/>
+    <p:sldId id="280" r:id="rId28"/>
+    <p:sldId id="281" r:id="rId29"/>
+    <p:sldId id="282" r:id="rId30"/>
+    <p:sldId id="283" r:id="rId31"/>
+    <p:sldId id="284" r:id="rId32"/>
+    <p:sldId id="285" r:id="rId33"/>
+    <p:sldId id="286" r:id="rId34"/>
+    <p:sldId id="287" r:id="rId35"/>
+    <p:sldId id="288" r:id="rId36"/>
   </p:sldIdLst>
   <p:sldSz cx="10080625" cy="5670550"/>
   <p:notesSz cx="7772400" cy="10058400"/>
@@ -85,7 +86,7 @@
       </p:grpSpPr>
       <p:sp>
         <p:nvSpPr>
-          <p:cNvPr id="26" name="PlaceHolder 1"/>
+          <p:cNvPr id="23" name="PlaceHolder 1"/>
           <p:cNvSpPr>
             <a:spLocks noGrp="1"/>
           </p:cNvSpPr>
@@ -96,7 +97,7 @@
         <p:spPr>
           <a:xfrm>
             <a:off x="504000" y="226080"/>
-            <a:ext cx="9071640" cy="946440"/>
+            <a:ext cx="9071280" cy="946080"/>
           </a:xfrm>
           <a:prstGeom prst="rect">
             <a:avLst/>
@@ -116,7 +117,7 @@
       </p:sp>
       <p:sp>
         <p:nvSpPr>
-          <p:cNvPr id="27" name="PlaceHolder 2"/>
+          <p:cNvPr id="24" name="PlaceHolder 2"/>
           <p:cNvSpPr>
             <a:spLocks noGrp="1"/>
           </p:cNvSpPr>
@@ -127,7 +128,7 @@
         <p:spPr>
           <a:xfrm>
             <a:off x="504000" y="1326600"/>
-            <a:ext cx="9071640" cy="1568160"/>
+            <a:ext cx="9071280" cy="1568160"/>
           </a:xfrm>
           <a:prstGeom prst="rect">
             <a:avLst/>
@@ -146,7 +147,7 @@
       </p:sp>
       <p:sp>
         <p:nvSpPr>
-          <p:cNvPr id="28" name="PlaceHolder 3"/>
+          <p:cNvPr id="25" name="PlaceHolder 3"/>
           <p:cNvSpPr>
             <a:spLocks noGrp="1"/>
           </p:cNvSpPr>
@@ -157,7 +158,7 @@
         <p:spPr>
           <a:xfrm>
             <a:off x="504000" y="3044160"/>
-            <a:ext cx="9071640" cy="1568160"/>
+            <a:ext cx="9071280" cy="1568160"/>
           </a:xfrm>
           <a:prstGeom prst="rect">
             <a:avLst/>
@@ -198,7 +199,7 @@
       </p:grpSpPr>
       <p:sp>
         <p:nvSpPr>
-          <p:cNvPr id="29" name="PlaceHolder 1"/>
+          <p:cNvPr id="26" name="PlaceHolder 1"/>
           <p:cNvSpPr>
             <a:spLocks noGrp="1"/>
           </p:cNvSpPr>
@@ -209,7 +210,7 @@
         <p:spPr>
           <a:xfrm>
             <a:off x="504000" y="226080"/>
-            <a:ext cx="9071640" cy="946440"/>
+            <a:ext cx="9071280" cy="946080"/>
           </a:xfrm>
           <a:prstGeom prst="rect">
             <a:avLst/>
@@ -229,7 +230,7 @@
       </p:sp>
       <p:sp>
         <p:nvSpPr>
-          <p:cNvPr id="30" name="PlaceHolder 2"/>
+          <p:cNvPr id="27" name="PlaceHolder 2"/>
           <p:cNvSpPr>
             <a:spLocks noGrp="1"/>
           </p:cNvSpPr>
@@ -240,7 +241,7 @@
         <p:spPr>
           <a:xfrm>
             <a:off x="504000" y="1326600"/>
-            <a:ext cx="4426920" cy="1568160"/>
+            <a:ext cx="4426560" cy="1568160"/>
           </a:xfrm>
           <a:prstGeom prst="rect">
             <a:avLst/>
@@ -259,7 +260,7 @@
       </p:sp>
       <p:sp>
         <p:nvSpPr>
-          <p:cNvPr id="31" name="PlaceHolder 3"/>
+          <p:cNvPr id="28" name="PlaceHolder 3"/>
           <p:cNvSpPr>
             <a:spLocks noGrp="1"/>
           </p:cNvSpPr>
@@ -269,8 +270,8 @@
         </p:nvSpPr>
         <p:spPr>
           <a:xfrm>
-            <a:off x="5152680" y="1326600"/>
-            <a:ext cx="4426920" cy="1568160"/>
+            <a:off x="5152320" y="1326600"/>
+            <a:ext cx="4426560" cy="1568160"/>
           </a:xfrm>
           <a:prstGeom prst="rect">
             <a:avLst/>
@@ -289,7 +290,7 @@
       </p:sp>
       <p:sp>
         <p:nvSpPr>
-          <p:cNvPr id="32" name="PlaceHolder 4"/>
+          <p:cNvPr id="29" name="PlaceHolder 4"/>
           <p:cNvSpPr>
             <a:spLocks noGrp="1"/>
           </p:cNvSpPr>
@@ -300,7 +301,7 @@
         <p:spPr>
           <a:xfrm>
             <a:off x="504000" y="3044160"/>
-            <a:ext cx="4426920" cy="1568160"/>
+            <a:ext cx="4426560" cy="1568160"/>
           </a:xfrm>
           <a:prstGeom prst="rect">
             <a:avLst/>
@@ -319,7 +320,7 @@
       </p:sp>
       <p:sp>
         <p:nvSpPr>
-          <p:cNvPr id="33" name="PlaceHolder 5"/>
+          <p:cNvPr id="30" name="PlaceHolder 5"/>
           <p:cNvSpPr>
             <a:spLocks noGrp="1"/>
           </p:cNvSpPr>
@@ -329,8 +330,8 @@
         </p:nvSpPr>
         <p:spPr>
           <a:xfrm>
-            <a:off x="5152680" y="3044160"/>
-            <a:ext cx="4426920" cy="1568160"/>
+            <a:off x="5152320" y="3044160"/>
+            <a:ext cx="4426560" cy="1568160"/>
           </a:xfrm>
           <a:prstGeom prst="rect">
             <a:avLst/>
@@ -371,7 +372,7 @@
       </p:grpSpPr>
       <p:sp>
         <p:nvSpPr>
-          <p:cNvPr id="34" name="PlaceHolder 1"/>
+          <p:cNvPr id="31" name="PlaceHolder 1"/>
           <p:cNvSpPr>
             <a:spLocks noGrp="1"/>
           </p:cNvSpPr>
@@ -382,7 +383,7 @@
         <p:spPr>
           <a:xfrm>
             <a:off x="504000" y="226080"/>
-            <a:ext cx="9071640" cy="946440"/>
+            <a:ext cx="9071280" cy="946080"/>
           </a:xfrm>
           <a:prstGeom prst="rect">
             <a:avLst/>
@@ -402,7 +403,7 @@
       </p:sp>
       <p:sp>
         <p:nvSpPr>
-          <p:cNvPr id="35" name="PlaceHolder 2"/>
+          <p:cNvPr id="32" name="PlaceHolder 2"/>
           <p:cNvSpPr>
             <a:spLocks noGrp="1"/>
           </p:cNvSpPr>
@@ -432,7 +433,7 @@
       </p:sp>
       <p:sp>
         <p:nvSpPr>
-          <p:cNvPr id="36" name="PlaceHolder 3"/>
+          <p:cNvPr id="33" name="PlaceHolder 3"/>
           <p:cNvSpPr>
             <a:spLocks noGrp="1"/>
           </p:cNvSpPr>
@@ -462,7 +463,7 @@
       </p:sp>
       <p:sp>
         <p:nvSpPr>
-          <p:cNvPr id="37" name="PlaceHolder 4"/>
+          <p:cNvPr id="34" name="PlaceHolder 4"/>
           <p:cNvSpPr>
             <a:spLocks noGrp="1"/>
           </p:cNvSpPr>
@@ -492,7 +493,7 @@
       </p:sp>
       <p:sp>
         <p:nvSpPr>
-          <p:cNvPr id="38" name="PlaceHolder 5"/>
+          <p:cNvPr id="35" name="PlaceHolder 5"/>
           <p:cNvSpPr>
             <a:spLocks noGrp="1"/>
           </p:cNvSpPr>
@@ -522,7 +523,7 @@
       </p:sp>
       <p:sp>
         <p:nvSpPr>
-          <p:cNvPr id="39" name="PlaceHolder 6"/>
+          <p:cNvPr id="36" name="PlaceHolder 6"/>
           <p:cNvSpPr>
             <a:spLocks noGrp="1"/>
           </p:cNvSpPr>
@@ -552,7 +553,7 @@
       </p:sp>
       <p:sp>
         <p:nvSpPr>
-          <p:cNvPr id="40" name="PlaceHolder 7"/>
+          <p:cNvPr id="37" name="PlaceHolder 7"/>
           <p:cNvSpPr>
             <a:spLocks noGrp="1"/>
           </p:cNvSpPr>
@@ -564,6 +565,557 @@
           <a:xfrm>
             <a:off x="6638040" y="3044160"/>
             <a:ext cx="2920680" cy="1568160"/>
+          </a:xfrm>
+          <a:prstGeom prst="rect">
+            <a:avLst/>
+          </a:prstGeom>
+        </p:spPr>
+        <p:txBody>
+          <a:bodyPr lIns="0" rIns="0" tIns="0" bIns="0">
+            <a:normAutofit/>
+          </a:bodyPr>
+          <a:p>
+            <a:endParaRPr b="0" lang="en-US" sz="3200" spc="-1" strike="noStrike">
+              <a:latin typeface="Nimbus Sans"/>
+            </a:endParaRPr>
+          </a:p>
+        </p:txBody>
+      </p:sp>
+    </p:spTree>
+  </p:cSld>
+</p:sldLayout>
+</file>
+
+<file path=ppt/slideLayouts/slideLayout13.xml><?xml version="1.0" encoding="utf-8"?>
+<p:sldLayout xmlns:a="http://schemas.openxmlformats.org/drawingml/2006/main" xmlns:p="http://schemas.openxmlformats.org/presentationml/2006/main" xmlns:r="http://schemas.openxmlformats.org/officeDocument/2006/relationships" xmlns:p14="http://schemas.microsoft.com/office/powerpoint/2010/main" xmlns:p15="http://schemas.microsoft.com/office/powerpoint/2012/main" xmlns:mc="http://schemas.openxmlformats.org/markup-compatibility/2006" type="blank" preserve="1">
+  <p:cSld name="Blank Slide">
+    <p:spTree>
+      <p:nvGrpSpPr>
+        <p:cNvPr id="1" name=""/>
+        <p:cNvGrpSpPr/>
+        <p:nvPr/>
+      </p:nvGrpSpPr>
+      <p:grpSpPr>
+        <a:xfrm>
+          <a:off x="0" y="0"/>
+          <a:ext cx="0" cy="0"/>
+          <a:chOff x="0" y="0"/>
+          <a:chExt cx="0" cy="0"/>
+        </a:xfrm>
+      </p:grpSpPr>
+    </p:spTree>
+  </p:cSld>
+</p:sldLayout>
+</file>
+
+<file path=ppt/slideLayouts/slideLayout14.xml><?xml version="1.0" encoding="utf-8"?>
+<p:sldLayout xmlns:a="http://schemas.openxmlformats.org/drawingml/2006/main" xmlns:p="http://schemas.openxmlformats.org/presentationml/2006/main" xmlns:r="http://schemas.openxmlformats.org/officeDocument/2006/relationships" xmlns:p14="http://schemas.microsoft.com/office/powerpoint/2010/main" xmlns:p15="http://schemas.microsoft.com/office/powerpoint/2012/main" xmlns:mc="http://schemas.openxmlformats.org/markup-compatibility/2006" type="tx" preserve="1">
+  <p:cSld name="Title Slide">
+    <p:spTree>
+      <p:nvGrpSpPr>
+        <p:cNvPr id="1" name=""/>
+        <p:cNvGrpSpPr/>
+        <p:nvPr/>
+      </p:nvGrpSpPr>
+      <p:grpSpPr>
+        <a:xfrm>
+          <a:off x="0" y="0"/>
+          <a:ext cx="0" cy="0"/>
+          <a:chOff x="0" y="0"/>
+          <a:chExt cx="0" cy="0"/>
+        </a:xfrm>
+      </p:grpSpPr>
+      <p:sp>
+        <p:nvSpPr>
+          <p:cNvPr id="40" name="PlaceHolder 1"/>
+          <p:cNvSpPr>
+            <a:spLocks noGrp="1"/>
+          </p:cNvSpPr>
+          <p:nvPr>
+            <p:ph type="title"/>
+          </p:nvPr>
+        </p:nvSpPr>
+        <p:spPr>
+          <a:xfrm>
+            <a:off x="504000" y="226080"/>
+            <a:ext cx="9071280" cy="946080"/>
+          </a:xfrm>
+          <a:prstGeom prst="rect">
+            <a:avLst/>
+          </a:prstGeom>
+        </p:spPr>
+        <p:txBody>
+          <a:bodyPr lIns="0" rIns="0" tIns="0" bIns="0" anchor="ctr">
+            <a:noAutofit/>
+          </a:bodyPr>
+          <a:p>
+            <a:pPr algn="ctr"/>
+            <a:endParaRPr b="0" lang="en-US" sz="4400" spc="-1" strike="noStrike">
+              <a:latin typeface="Nimbus Sans"/>
+            </a:endParaRPr>
+          </a:p>
+        </p:txBody>
+      </p:sp>
+      <p:sp>
+        <p:nvSpPr>
+          <p:cNvPr id="41" name="PlaceHolder 2"/>
+          <p:cNvSpPr>
+            <a:spLocks noGrp="1"/>
+          </p:cNvSpPr>
+          <p:nvPr>
+            <p:ph type="subTitle"/>
+          </p:nvPr>
+        </p:nvSpPr>
+        <p:spPr>
+          <a:xfrm>
+            <a:off x="504000" y="1326600"/>
+            <a:ext cx="9071280" cy="3287880"/>
+          </a:xfrm>
+          <a:prstGeom prst="rect">
+            <a:avLst/>
+          </a:prstGeom>
+        </p:spPr>
+        <p:txBody>
+          <a:bodyPr lIns="0" rIns="0" tIns="0" bIns="0" anchor="ctr">
+            <a:noAutofit/>
+          </a:bodyPr>
+          <a:p>
+            <a:pPr algn="ctr"/>
+            <a:endParaRPr b="0" lang="en-US" sz="3200" spc="-1" strike="noStrike">
+              <a:latin typeface="Nimbus Sans"/>
+            </a:endParaRPr>
+          </a:p>
+        </p:txBody>
+      </p:sp>
+    </p:spTree>
+  </p:cSld>
+</p:sldLayout>
+</file>
+
+<file path=ppt/slideLayouts/slideLayout15.xml><?xml version="1.0" encoding="utf-8"?>
+<p:sldLayout xmlns:a="http://schemas.openxmlformats.org/drawingml/2006/main" xmlns:p="http://schemas.openxmlformats.org/presentationml/2006/main" xmlns:r="http://schemas.openxmlformats.org/officeDocument/2006/relationships" xmlns:p14="http://schemas.microsoft.com/office/powerpoint/2010/main" xmlns:p15="http://schemas.microsoft.com/office/powerpoint/2012/main" xmlns:mc="http://schemas.openxmlformats.org/markup-compatibility/2006" type="obj" preserve="1">
+  <p:cSld name="Title, Content">
+    <p:spTree>
+      <p:nvGrpSpPr>
+        <p:cNvPr id="1" name=""/>
+        <p:cNvGrpSpPr/>
+        <p:nvPr/>
+      </p:nvGrpSpPr>
+      <p:grpSpPr>
+        <a:xfrm>
+          <a:off x="0" y="0"/>
+          <a:ext cx="0" cy="0"/>
+          <a:chOff x="0" y="0"/>
+          <a:chExt cx="0" cy="0"/>
+        </a:xfrm>
+      </p:grpSpPr>
+      <p:sp>
+        <p:nvSpPr>
+          <p:cNvPr id="42" name="PlaceHolder 1"/>
+          <p:cNvSpPr>
+            <a:spLocks noGrp="1"/>
+          </p:cNvSpPr>
+          <p:nvPr>
+            <p:ph type="title"/>
+          </p:nvPr>
+        </p:nvSpPr>
+        <p:spPr>
+          <a:xfrm>
+            <a:off x="504000" y="226080"/>
+            <a:ext cx="9071280" cy="946080"/>
+          </a:xfrm>
+          <a:prstGeom prst="rect">
+            <a:avLst/>
+          </a:prstGeom>
+        </p:spPr>
+        <p:txBody>
+          <a:bodyPr lIns="0" rIns="0" tIns="0" bIns="0" anchor="ctr">
+            <a:noAutofit/>
+          </a:bodyPr>
+          <a:p>
+            <a:pPr algn="ctr"/>
+            <a:endParaRPr b="0" lang="en-US" sz="4400" spc="-1" strike="noStrike">
+              <a:latin typeface="Nimbus Sans"/>
+            </a:endParaRPr>
+          </a:p>
+        </p:txBody>
+      </p:sp>
+      <p:sp>
+        <p:nvSpPr>
+          <p:cNvPr id="43" name="PlaceHolder 2"/>
+          <p:cNvSpPr>
+            <a:spLocks noGrp="1"/>
+          </p:cNvSpPr>
+          <p:nvPr>
+            <p:ph type="body"/>
+          </p:nvPr>
+        </p:nvSpPr>
+        <p:spPr>
+          <a:xfrm>
+            <a:off x="504000" y="1326600"/>
+            <a:ext cx="9071280" cy="3287880"/>
+          </a:xfrm>
+          <a:prstGeom prst="rect">
+            <a:avLst/>
+          </a:prstGeom>
+        </p:spPr>
+        <p:txBody>
+          <a:bodyPr lIns="0" rIns="0" tIns="0" bIns="0">
+            <a:normAutofit/>
+          </a:bodyPr>
+          <a:p>
+            <a:endParaRPr b="0" lang="en-US" sz="3200" spc="-1" strike="noStrike">
+              <a:latin typeface="Nimbus Sans"/>
+            </a:endParaRPr>
+          </a:p>
+        </p:txBody>
+      </p:sp>
+    </p:spTree>
+  </p:cSld>
+</p:sldLayout>
+</file>
+
+<file path=ppt/slideLayouts/slideLayout16.xml><?xml version="1.0" encoding="utf-8"?>
+<p:sldLayout xmlns:a="http://schemas.openxmlformats.org/drawingml/2006/main" xmlns:p="http://schemas.openxmlformats.org/presentationml/2006/main" xmlns:r="http://schemas.openxmlformats.org/officeDocument/2006/relationships" xmlns:p14="http://schemas.microsoft.com/office/powerpoint/2010/main" xmlns:p15="http://schemas.microsoft.com/office/powerpoint/2012/main" xmlns:mc="http://schemas.openxmlformats.org/markup-compatibility/2006" type="twoObj" preserve="1">
+  <p:cSld name="Title, 2 Content">
+    <p:spTree>
+      <p:nvGrpSpPr>
+        <p:cNvPr id="1" name=""/>
+        <p:cNvGrpSpPr/>
+        <p:nvPr/>
+      </p:nvGrpSpPr>
+      <p:grpSpPr>
+        <a:xfrm>
+          <a:off x="0" y="0"/>
+          <a:ext cx="0" cy="0"/>
+          <a:chOff x="0" y="0"/>
+          <a:chExt cx="0" cy="0"/>
+        </a:xfrm>
+      </p:grpSpPr>
+      <p:sp>
+        <p:nvSpPr>
+          <p:cNvPr id="44" name="PlaceHolder 1"/>
+          <p:cNvSpPr>
+            <a:spLocks noGrp="1"/>
+          </p:cNvSpPr>
+          <p:nvPr>
+            <p:ph type="title"/>
+          </p:nvPr>
+        </p:nvSpPr>
+        <p:spPr>
+          <a:xfrm>
+            <a:off x="504000" y="226080"/>
+            <a:ext cx="9071280" cy="946080"/>
+          </a:xfrm>
+          <a:prstGeom prst="rect">
+            <a:avLst/>
+          </a:prstGeom>
+        </p:spPr>
+        <p:txBody>
+          <a:bodyPr lIns="0" rIns="0" tIns="0" bIns="0" anchor="ctr">
+            <a:noAutofit/>
+          </a:bodyPr>
+          <a:p>
+            <a:pPr algn="ctr"/>
+            <a:endParaRPr b="0" lang="en-US" sz="4400" spc="-1" strike="noStrike">
+              <a:latin typeface="Nimbus Sans"/>
+            </a:endParaRPr>
+          </a:p>
+        </p:txBody>
+      </p:sp>
+      <p:sp>
+        <p:nvSpPr>
+          <p:cNvPr id="45" name="PlaceHolder 2"/>
+          <p:cNvSpPr>
+            <a:spLocks noGrp="1"/>
+          </p:cNvSpPr>
+          <p:nvPr>
+            <p:ph type="body"/>
+          </p:nvPr>
+        </p:nvSpPr>
+        <p:spPr>
+          <a:xfrm>
+            <a:off x="504000" y="1326600"/>
+            <a:ext cx="4426560" cy="3287880"/>
+          </a:xfrm>
+          <a:prstGeom prst="rect">
+            <a:avLst/>
+          </a:prstGeom>
+        </p:spPr>
+        <p:txBody>
+          <a:bodyPr lIns="0" rIns="0" tIns="0" bIns="0">
+            <a:normAutofit/>
+          </a:bodyPr>
+          <a:p>
+            <a:endParaRPr b="0" lang="en-US" sz="3200" spc="-1" strike="noStrike">
+              <a:latin typeface="Nimbus Sans"/>
+            </a:endParaRPr>
+          </a:p>
+        </p:txBody>
+      </p:sp>
+      <p:sp>
+        <p:nvSpPr>
+          <p:cNvPr id="46" name="PlaceHolder 3"/>
+          <p:cNvSpPr>
+            <a:spLocks noGrp="1"/>
+          </p:cNvSpPr>
+          <p:nvPr>
+            <p:ph type="body"/>
+          </p:nvPr>
+        </p:nvSpPr>
+        <p:spPr>
+          <a:xfrm>
+            <a:off x="5152320" y="1326600"/>
+            <a:ext cx="4426560" cy="3287880"/>
+          </a:xfrm>
+          <a:prstGeom prst="rect">
+            <a:avLst/>
+          </a:prstGeom>
+        </p:spPr>
+        <p:txBody>
+          <a:bodyPr lIns="0" rIns="0" tIns="0" bIns="0">
+            <a:normAutofit/>
+          </a:bodyPr>
+          <a:p>
+            <a:endParaRPr b="0" lang="en-US" sz="3200" spc="-1" strike="noStrike">
+              <a:latin typeface="Nimbus Sans"/>
+            </a:endParaRPr>
+          </a:p>
+        </p:txBody>
+      </p:sp>
+    </p:spTree>
+  </p:cSld>
+</p:sldLayout>
+</file>
+
+<file path=ppt/slideLayouts/slideLayout17.xml><?xml version="1.0" encoding="utf-8"?>
+<p:sldLayout xmlns:a="http://schemas.openxmlformats.org/drawingml/2006/main" xmlns:p="http://schemas.openxmlformats.org/presentationml/2006/main" xmlns:r="http://schemas.openxmlformats.org/officeDocument/2006/relationships" xmlns:p14="http://schemas.microsoft.com/office/powerpoint/2010/main" xmlns:p15="http://schemas.microsoft.com/office/powerpoint/2012/main" xmlns:mc="http://schemas.openxmlformats.org/markup-compatibility/2006" type="titleOnly" preserve="1">
+  <p:cSld name="Title Only">
+    <p:spTree>
+      <p:nvGrpSpPr>
+        <p:cNvPr id="1" name=""/>
+        <p:cNvGrpSpPr/>
+        <p:nvPr/>
+      </p:nvGrpSpPr>
+      <p:grpSpPr>
+        <a:xfrm>
+          <a:off x="0" y="0"/>
+          <a:ext cx="0" cy="0"/>
+          <a:chOff x="0" y="0"/>
+          <a:chExt cx="0" cy="0"/>
+        </a:xfrm>
+      </p:grpSpPr>
+      <p:sp>
+        <p:nvSpPr>
+          <p:cNvPr id="47" name="PlaceHolder 1"/>
+          <p:cNvSpPr>
+            <a:spLocks noGrp="1"/>
+          </p:cNvSpPr>
+          <p:nvPr>
+            <p:ph type="title"/>
+          </p:nvPr>
+        </p:nvSpPr>
+        <p:spPr>
+          <a:xfrm>
+            <a:off x="504000" y="226080"/>
+            <a:ext cx="9071280" cy="946080"/>
+          </a:xfrm>
+          <a:prstGeom prst="rect">
+            <a:avLst/>
+          </a:prstGeom>
+        </p:spPr>
+        <p:txBody>
+          <a:bodyPr lIns="0" rIns="0" tIns="0" bIns="0" anchor="ctr">
+            <a:noAutofit/>
+          </a:bodyPr>
+          <a:p>
+            <a:pPr algn="ctr"/>
+            <a:endParaRPr b="0" lang="en-US" sz="4400" spc="-1" strike="noStrike">
+              <a:latin typeface="Nimbus Sans"/>
+            </a:endParaRPr>
+          </a:p>
+        </p:txBody>
+      </p:sp>
+    </p:spTree>
+  </p:cSld>
+</p:sldLayout>
+</file>
+
+<file path=ppt/slideLayouts/slideLayout18.xml><?xml version="1.0" encoding="utf-8"?>
+<p:sldLayout xmlns:a="http://schemas.openxmlformats.org/drawingml/2006/main" xmlns:p="http://schemas.openxmlformats.org/presentationml/2006/main" xmlns:r="http://schemas.openxmlformats.org/officeDocument/2006/relationships" xmlns:p14="http://schemas.microsoft.com/office/powerpoint/2010/main" xmlns:p15="http://schemas.microsoft.com/office/powerpoint/2012/main" xmlns:mc="http://schemas.openxmlformats.org/markup-compatibility/2006" type="objOnly" preserve="1">
+  <p:cSld name="Centered Text">
+    <p:spTree>
+      <p:nvGrpSpPr>
+        <p:cNvPr id="1" name=""/>
+        <p:cNvGrpSpPr/>
+        <p:nvPr/>
+      </p:nvGrpSpPr>
+      <p:grpSpPr>
+        <a:xfrm>
+          <a:off x="0" y="0"/>
+          <a:ext cx="0" cy="0"/>
+          <a:chOff x="0" y="0"/>
+          <a:chExt cx="0" cy="0"/>
+        </a:xfrm>
+      </p:grpSpPr>
+      <p:sp>
+        <p:nvSpPr>
+          <p:cNvPr id="48" name="PlaceHolder 1"/>
+          <p:cNvSpPr>
+            <a:spLocks noGrp="1"/>
+          </p:cNvSpPr>
+          <p:nvPr>
+            <p:ph type="subTitle"/>
+          </p:nvPr>
+        </p:nvSpPr>
+        <p:spPr>
+          <a:xfrm>
+            <a:off x="504000" y="226080"/>
+            <a:ext cx="9071280" cy="4386600"/>
+          </a:xfrm>
+          <a:prstGeom prst="rect">
+            <a:avLst/>
+          </a:prstGeom>
+        </p:spPr>
+        <p:txBody>
+          <a:bodyPr lIns="0" rIns="0" tIns="0" bIns="0" anchor="ctr">
+            <a:noAutofit/>
+          </a:bodyPr>
+          <a:p>
+            <a:pPr algn="ctr"/>
+            <a:endParaRPr b="0" lang="en-US" sz="3200" spc="-1" strike="noStrike">
+              <a:latin typeface="Nimbus Sans"/>
+            </a:endParaRPr>
+          </a:p>
+        </p:txBody>
+      </p:sp>
+    </p:spTree>
+  </p:cSld>
+</p:sldLayout>
+</file>
+
+<file path=ppt/slideLayouts/slideLayout19.xml><?xml version="1.0" encoding="utf-8"?>
+<p:sldLayout xmlns:a="http://schemas.openxmlformats.org/drawingml/2006/main" xmlns:p="http://schemas.openxmlformats.org/presentationml/2006/main" xmlns:r="http://schemas.openxmlformats.org/officeDocument/2006/relationships" xmlns:p14="http://schemas.microsoft.com/office/powerpoint/2010/main" xmlns:p15="http://schemas.microsoft.com/office/powerpoint/2012/main" xmlns:mc="http://schemas.openxmlformats.org/markup-compatibility/2006" type="twoObjAndObj" preserve="1">
+  <p:cSld name="Title, 2 Content and Content">
+    <p:spTree>
+      <p:nvGrpSpPr>
+        <p:cNvPr id="1" name=""/>
+        <p:cNvGrpSpPr/>
+        <p:nvPr/>
+      </p:nvGrpSpPr>
+      <p:grpSpPr>
+        <a:xfrm>
+          <a:off x="0" y="0"/>
+          <a:ext cx="0" cy="0"/>
+          <a:chOff x="0" y="0"/>
+          <a:chExt cx="0" cy="0"/>
+        </a:xfrm>
+      </p:grpSpPr>
+      <p:sp>
+        <p:nvSpPr>
+          <p:cNvPr id="49" name="PlaceHolder 1"/>
+          <p:cNvSpPr>
+            <a:spLocks noGrp="1"/>
+          </p:cNvSpPr>
+          <p:nvPr>
+            <p:ph type="title"/>
+          </p:nvPr>
+        </p:nvSpPr>
+        <p:spPr>
+          <a:xfrm>
+            <a:off x="504000" y="226080"/>
+            <a:ext cx="9071280" cy="946080"/>
+          </a:xfrm>
+          <a:prstGeom prst="rect">
+            <a:avLst/>
+          </a:prstGeom>
+        </p:spPr>
+        <p:txBody>
+          <a:bodyPr lIns="0" rIns="0" tIns="0" bIns="0" anchor="ctr">
+            <a:noAutofit/>
+          </a:bodyPr>
+          <a:p>
+            <a:pPr algn="ctr"/>
+            <a:endParaRPr b="0" lang="en-US" sz="4400" spc="-1" strike="noStrike">
+              <a:latin typeface="Nimbus Sans"/>
+            </a:endParaRPr>
+          </a:p>
+        </p:txBody>
+      </p:sp>
+      <p:sp>
+        <p:nvSpPr>
+          <p:cNvPr id="50" name="PlaceHolder 2"/>
+          <p:cNvSpPr>
+            <a:spLocks noGrp="1"/>
+          </p:cNvSpPr>
+          <p:nvPr>
+            <p:ph type="body"/>
+          </p:nvPr>
+        </p:nvSpPr>
+        <p:spPr>
+          <a:xfrm>
+            <a:off x="504000" y="1326600"/>
+            <a:ext cx="4426560" cy="1568160"/>
+          </a:xfrm>
+          <a:prstGeom prst="rect">
+            <a:avLst/>
+          </a:prstGeom>
+        </p:spPr>
+        <p:txBody>
+          <a:bodyPr lIns="0" rIns="0" tIns="0" bIns="0">
+            <a:normAutofit/>
+          </a:bodyPr>
+          <a:p>
+            <a:endParaRPr b="0" lang="en-US" sz="3200" spc="-1" strike="noStrike">
+              <a:latin typeface="Nimbus Sans"/>
+            </a:endParaRPr>
+          </a:p>
+        </p:txBody>
+      </p:sp>
+      <p:sp>
+        <p:nvSpPr>
+          <p:cNvPr id="51" name="PlaceHolder 3"/>
+          <p:cNvSpPr>
+            <a:spLocks noGrp="1"/>
+          </p:cNvSpPr>
+          <p:nvPr>
+            <p:ph type="body"/>
+          </p:nvPr>
+        </p:nvSpPr>
+        <p:spPr>
+          <a:xfrm>
+            <a:off x="5152320" y="1326600"/>
+            <a:ext cx="4426560" cy="3287880"/>
+          </a:xfrm>
+          <a:prstGeom prst="rect">
+            <a:avLst/>
+          </a:prstGeom>
+        </p:spPr>
+        <p:txBody>
+          <a:bodyPr lIns="0" rIns="0" tIns="0" bIns="0">
+            <a:normAutofit/>
+          </a:bodyPr>
+          <a:p>
+            <a:endParaRPr b="0" lang="en-US" sz="3200" spc="-1" strike="noStrike">
+              <a:latin typeface="Nimbus Sans"/>
+            </a:endParaRPr>
+          </a:p>
+        </p:txBody>
+      </p:sp>
+      <p:sp>
+        <p:nvSpPr>
+          <p:cNvPr id="52" name="PlaceHolder 4"/>
+          <p:cNvSpPr>
+            <a:spLocks noGrp="1"/>
+          </p:cNvSpPr>
+          <p:nvPr>
+            <p:ph type="body"/>
+          </p:nvPr>
+        </p:nvSpPr>
+        <p:spPr>
+          <a:xfrm>
+            <a:off x="504000" y="3044160"/>
+            <a:ext cx="4426560" cy="1568160"/>
           </a:xfrm>
           <a:prstGeom prst="rect">
             <a:avLst/>
@@ -604,7 +1156,7 @@
       </p:grpSpPr>
       <p:sp>
         <p:nvSpPr>
-          <p:cNvPr id="5" name="PlaceHolder 1"/>
+          <p:cNvPr id="2" name="PlaceHolder 1"/>
           <p:cNvSpPr>
             <a:spLocks noGrp="1"/>
           </p:cNvSpPr>
@@ -615,7 +1167,7 @@
         <p:spPr>
           <a:xfrm>
             <a:off x="504000" y="226080"/>
-            <a:ext cx="9071640" cy="946440"/>
+            <a:ext cx="9071280" cy="946080"/>
           </a:xfrm>
           <a:prstGeom prst="rect">
             <a:avLst/>
@@ -635,7 +1187,7 @@
       </p:sp>
       <p:sp>
         <p:nvSpPr>
-          <p:cNvPr id="6" name="PlaceHolder 2"/>
+          <p:cNvPr id="3" name="PlaceHolder 2"/>
           <p:cNvSpPr>
             <a:spLocks noGrp="1"/>
           </p:cNvSpPr>
@@ -646,7 +1198,7 @@
         <p:spPr>
           <a:xfrm>
             <a:off x="504000" y="1326600"/>
-            <a:ext cx="9071640" cy="3288240"/>
+            <a:ext cx="9071280" cy="3287880"/>
           </a:xfrm>
           <a:prstGeom prst="rect">
             <a:avLst/>
@@ -658,6 +1210,811 @@
           </a:bodyPr>
           <a:p>
             <a:pPr algn="ctr"/>
+            <a:endParaRPr b="0" lang="en-US" sz="3200" spc="-1" strike="noStrike">
+              <a:latin typeface="Nimbus Sans"/>
+            </a:endParaRPr>
+          </a:p>
+        </p:txBody>
+      </p:sp>
+    </p:spTree>
+  </p:cSld>
+</p:sldLayout>
+</file>
+
+<file path=ppt/slideLayouts/slideLayout20.xml><?xml version="1.0" encoding="utf-8"?>
+<p:sldLayout xmlns:a="http://schemas.openxmlformats.org/drawingml/2006/main" xmlns:p="http://schemas.openxmlformats.org/presentationml/2006/main" xmlns:r="http://schemas.openxmlformats.org/officeDocument/2006/relationships" xmlns:p14="http://schemas.microsoft.com/office/powerpoint/2010/main" xmlns:p15="http://schemas.microsoft.com/office/powerpoint/2012/main" xmlns:mc="http://schemas.openxmlformats.org/markup-compatibility/2006" type="objAndTwoObj" preserve="1">
+  <p:cSld name="Title Content and 2 Content">
+    <p:spTree>
+      <p:nvGrpSpPr>
+        <p:cNvPr id="1" name=""/>
+        <p:cNvGrpSpPr/>
+        <p:nvPr/>
+      </p:nvGrpSpPr>
+      <p:grpSpPr>
+        <a:xfrm>
+          <a:off x="0" y="0"/>
+          <a:ext cx="0" cy="0"/>
+          <a:chOff x="0" y="0"/>
+          <a:chExt cx="0" cy="0"/>
+        </a:xfrm>
+      </p:grpSpPr>
+      <p:sp>
+        <p:nvSpPr>
+          <p:cNvPr id="53" name="PlaceHolder 1"/>
+          <p:cNvSpPr>
+            <a:spLocks noGrp="1"/>
+          </p:cNvSpPr>
+          <p:nvPr>
+            <p:ph type="title"/>
+          </p:nvPr>
+        </p:nvSpPr>
+        <p:spPr>
+          <a:xfrm>
+            <a:off x="504000" y="226080"/>
+            <a:ext cx="9071280" cy="946080"/>
+          </a:xfrm>
+          <a:prstGeom prst="rect">
+            <a:avLst/>
+          </a:prstGeom>
+        </p:spPr>
+        <p:txBody>
+          <a:bodyPr lIns="0" rIns="0" tIns="0" bIns="0" anchor="ctr">
+            <a:noAutofit/>
+          </a:bodyPr>
+          <a:p>
+            <a:pPr algn="ctr"/>
+            <a:endParaRPr b="0" lang="en-US" sz="4400" spc="-1" strike="noStrike">
+              <a:latin typeface="Nimbus Sans"/>
+            </a:endParaRPr>
+          </a:p>
+        </p:txBody>
+      </p:sp>
+      <p:sp>
+        <p:nvSpPr>
+          <p:cNvPr id="54" name="PlaceHolder 2"/>
+          <p:cNvSpPr>
+            <a:spLocks noGrp="1"/>
+          </p:cNvSpPr>
+          <p:nvPr>
+            <p:ph type="body"/>
+          </p:nvPr>
+        </p:nvSpPr>
+        <p:spPr>
+          <a:xfrm>
+            <a:off x="504000" y="1326600"/>
+            <a:ext cx="4426560" cy="3287880"/>
+          </a:xfrm>
+          <a:prstGeom prst="rect">
+            <a:avLst/>
+          </a:prstGeom>
+        </p:spPr>
+        <p:txBody>
+          <a:bodyPr lIns="0" rIns="0" tIns="0" bIns="0">
+            <a:normAutofit/>
+          </a:bodyPr>
+          <a:p>
+            <a:endParaRPr b="0" lang="en-US" sz="3200" spc="-1" strike="noStrike">
+              <a:latin typeface="Nimbus Sans"/>
+            </a:endParaRPr>
+          </a:p>
+        </p:txBody>
+      </p:sp>
+      <p:sp>
+        <p:nvSpPr>
+          <p:cNvPr id="55" name="PlaceHolder 3"/>
+          <p:cNvSpPr>
+            <a:spLocks noGrp="1"/>
+          </p:cNvSpPr>
+          <p:nvPr>
+            <p:ph type="body"/>
+          </p:nvPr>
+        </p:nvSpPr>
+        <p:spPr>
+          <a:xfrm>
+            <a:off x="5152320" y="1326600"/>
+            <a:ext cx="4426560" cy="1568160"/>
+          </a:xfrm>
+          <a:prstGeom prst="rect">
+            <a:avLst/>
+          </a:prstGeom>
+        </p:spPr>
+        <p:txBody>
+          <a:bodyPr lIns="0" rIns="0" tIns="0" bIns="0">
+            <a:normAutofit/>
+          </a:bodyPr>
+          <a:p>
+            <a:endParaRPr b="0" lang="en-US" sz="3200" spc="-1" strike="noStrike">
+              <a:latin typeface="Nimbus Sans"/>
+            </a:endParaRPr>
+          </a:p>
+        </p:txBody>
+      </p:sp>
+      <p:sp>
+        <p:nvSpPr>
+          <p:cNvPr id="56" name="PlaceHolder 4"/>
+          <p:cNvSpPr>
+            <a:spLocks noGrp="1"/>
+          </p:cNvSpPr>
+          <p:nvPr>
+            <p:ph type="body"/>
+          </p:nvPr>
+        </p:nvSpPr>
+        <p:spPr>
+          <a:xfrm>
+            <a:off x="5152320" y="3044160"/>
+            <a:ext cx="4426560" cy="1568160"/>
+          </a:xfrm>
+          <a:prstGeom prst="rect">
+            <a:avLst/>
+          </a:prstGeom>
+        </p:spPr>
+        <p:txBody>
+          <a:bodyPr lIns="0" rIns="0" tIns="0" bIns="0">
+            <a:normAutofit/>
+          </a:bodyPr>
+          <a:p>
+            <a:endParaRPr b="0" lang="en-US" sz="3200" spc="-1" strike="noStrike">
+              <a:latin typeface="Nimbus Sans"/>
+            </a:endParaRPr>
+          </a:p>
+        </p:txBody>
+      </p:sp>
+    </p:spTree>
+  </p:cSld>
+</p:sldLayout>
+</file>
+
+<file path=ppt/slideLayouts/slideLayout21.xml><?xml version="1.0" encoding="utf-8"?>
+<p:sldLayout xmlns:a="http://schemas.openxmlformats.org/drawingml/2006/main" xmlns:p="http://schemas.openxmlformats.org/presentationml/2006/main" xmlns:r="http://schemas.openxmlformats.org/officeDocument/2006/relationships" xmlns:p14="http://schemas.microsoft.com/office/powerpoint/2010/main" xmlns:p15="http://schemas.microsoft.com/office/powerpoint/2012/main" xmlns:mc="http://schemas.openxmlformats.org/markup-compatibility/2006" type="twoObjOverTx" preserve="1">
+  <p:cSld name="Title, 2 Content over Content">
+    <p:spTree>
+      <p:nvGrpSpPr>
+        <p:cNvPr id="1" name=""/>
+        <p:cNvGrpSpPr/>
+        <p:nvPr/>
+      </p:nvGrpSpPr>
+      <p:grpSpPr>
+        <a:xfrm>
+          <a:off x="0" y="0"/>
+          <a:ext cx="0" cy="0"/>
+          <a:chOff x="0" y="0"/>
+          <a:chExt cx="0" cy="0"/>
+        </a:xfrm>
+      </p:grpSpPr>
+      <p:sp>
+        <p:nvSpPr>
+          <p:cNvPr id="57" name="PlaceHolder 1"/>
+          <p:cNvSpPr>
+            <a:spLocks noGrp="1"/>
+          </p:cNvSpPr>
+          <p:nvPr>
+            <p:ph type="title"/>
+          </p:nvPr>
+        </p:nvSpPr>
+        <p:spPr>
+          <a:xfrm>
+            <a:off x="504000" y="226080"/>
+            <a:ext cx="9071280" cy="946080"/>
+          </a:xfrm>
+          <a:prstGeom prst="rect">
+            <a:avLst/>
+          </a:prstGeom>
+        </p:spPr>
+        <p:txBody>
+          <a:bodyPr lIns="0" rIns="0" tIns="0" bIns="0" anchor="ctr">
+            <a:noAutofit/>
+          </a:bodyPr>
+          <a:p>
+            <a:pPr algn="ctr"/>
+            <a:endParaRPr b="0" lang="en-US" sz="4400" spc="-1" strike="noStrike">
+              <a:latin typeface="Nimbus Sans"/>
+            </a:endParaRPr>
+          </a:p>
+        </p:txBody>
+      </p:sp>
+      <p:sp>
+        <p:nvSpPr>
+          <p:cNvPr id="58" name="PlaceHolder 2"/>
+          <p:cNvSpPr>
+            <a:spLocks noGrp="1"/>
+          </p:cNvSpPr>
+          <p:nvPr>
+            <p:ph type="body"/>
+          </p:nvPr>
+        </p:nvSpPr>
+        <p:spPr>
+          <a:xfrm>
+            <a:off x="504000" y="1326600"/>
+            <a:ext cx="4426560" cy="1568160"/>
+          </a:xfrm>
+          <a:prstGeom prst="rect">
+            <a:avLst/>
+          </a:prstGeom>
+        </p:spPr>
+        <p:txBody>
+          <a:bodyPr lIns="0" rIns="0" tIns="0" bIns="0">
+            <a:normAutofit/>
+          </a:bodyPr>
+          <a:p>
+            <a:endParaRPr b="0" lang="en-US" sz="3200" spc="-1" strike="noStrike">
+              <a:latin typeface="Nimbus Sans"/>
+            </a:endParaRPr>
+          </a:p>
+        </p:txBody>
+      </p:sp>
+      <p:sp>
+        <p:nvSpPr>
+          <p:cNvPr id="59" name="PlaceHolder 3"/>
+          <p:cNvSpPr>
+            <a:spLocks noGrp="1"/>
+          </p:cNvSpPr>
+          <p:nvPr>
+            <p:ph type="body"/>
+          </p:nvPr>
+        </p:nvSpPr>
+        <p:spPr>
+          <a:xfrm>
+            <a:off x="5152320" y="1326600"/>
+            <a:ext cx="4426560" cy="1568160"/>
+          </a:xfrm>
+          <a:prstGeom prst="rect">
+            <a:avLst/>
+          </a:prstGeom>
+        </p:spPr>
+        <p:txBody>
+          <a:bodyPr lIns="0" rIns="0" tIns="0" bIns="0">
+            <a:normAutofit/>
+          </a:bodyPr>
+          <a:p>
+            <a:endParaRPr b="0" lang="en-US" sz="3200" spc="-1" strike="noStrike">
+              <a:latin typeface="Nimbus Sans"/>
+            </a:endParaRPr>
+          </a:p>
+        </p:txBody>
+      </p:sp>
+      <p:sp>
+        <p:nvSpPr>
+          <p:cNvPr id="60" name="PlaceHolder 4"/>
+          <p:cNvSpPr>
+            <a:spLocks noGrp="1"/>
+          </p:cNvSpPr>
+          <p:nvPr>
+            <p:ph type="body"/>
+          </p:nvPr>
+        </p:nvSpPr>
+        <p:spPr>
+          <a:xfrm>
+            <a:off x="504000" y="3044160"/>
+            <a:ext cx="9071280" cy="1568160"/>
+          </a:xfrm>
+          <a:prstGeom prst="rect">
+            <a:avLst/>
+          </a:prstGeom>
+        </p:spPr>
+        <p:txBody>
+          <a:bodyPr lIns="0" rIns="0" tIns="0" bIns="0">
+            <a:normAutofit/>
+          </a:bodyPr>
+          <a:p>
+            <a:endParaRPr b="0" lang="en-US" sz="3200" spc="-1" strike="noStrike">
+              <a:latin typeface="Nimbus Sans"/>
+            </a:endParaRPr>
+          </a:p>
+        </p:txBody>
+      </p:sp>
+    </p:spTree>
+  </p:cSld>
+</p:sldLayout>
+</file>
+
+<file path=ppt/slideLayouts/slideLayout22.xml><?xml version="1.0" encoding="utf-8"?>
+<p:sldLayout xmlns:a="http://schemas.openxmlformats.org/drawingml/2006/main" xmlns:p="http://schemas.openxmlformats.org/presentationml/2006/main" xmlns:r="http://schemas.openxmlformats.org/officeDocument/2006/relationships" xmlns:p14="http://schemas.microsoft.com/office/powerpoint/2010/main" xmlns:p15="http://schemas.microsoft.com/office/powerpoint/2012/main" xmlns:mc="http://schemas.openxmlformats.org/markup-compatibility/2006" type="objOverTx" preserve="1">
+  <p:cSld name="Title, Content over Content">
+    <p:spTree>
+      <p:nvGrpSpPr>
+        <p:cNvPr id="1" name=""/>
+        <p:cNvGrpSpPr/>
+        <p:nvPr/>
+      </p:nvGrpSpPr>
+      <p:grpSpPr>
+        <a:xfrm>
+          <a:off x="0" y="0"/>
+          <a:ext cx="0" cy="0"/>
+          <a:chOff x="0" y="0"/>
+          <a:chExt cx="0" cy="0"/>
+        </a:xfrm>
+      </p:grpSpPr>
+      <p:sp>
+        <p:nvSpPr>
+          <p:cNvPr id="61" name="PlaceHolder 1"/>
+          <p:cNvSpPr>
+            <a:spLocks noGrp="1"/>
+          </p:cNvSpPr>
+          <p:nvPr>
+            <p:ph type="title"/>
+          </p:nvPr>
+        </p:nvSpPr>
+        <p:spPr>
+          <a:xfrm>
+            <a:off x="504000" y="226080"/>
+            <a:ext cx="9071280" cy="946080"/>
+          </a:xfrm>
+          <a:prstGeom prst="rect">
+            <a:avLst/>
+          </a:prstGeom>
+        </p:spPr>
+        <p:txBody>
+          <a:bodyPr lIns="0" rIns="0" tIns="0" bIns="0" anchor="ctr">
+            <a:noAutofit/>
+          </a:bodyPr>
+          <a:p>
+            <a:pPr algn="ctr"/>
+            <a:endParaRPr b="0" lang="en-US" sz="4400" spc="-1" strike="noStrike">
+              <a:latin typeface="Nimbus Sans"/>
+            </a:endParaRPr>
+          </a:p>
+        </p:txBody>
+      </p:sp>
+      <p:sp>
+        <p:nvSpPr>
+          <p:cNvPr id="62" name="PlaceHolder 2"/>
+          <p:cNvSpPr>
+            <a:spLocks noGrp="1"/>
+          </p:cNvSpPr>
+          <p:nvPr>
+            <p:ph type="body"/>
+          </p:nvPr>
+        </p:nvSpPr>
+        <p:spPr>
+          <a:xfrm>
+            <a:off x="504000" y="1326600"/>
+            <a:ext cx="9071280" cy="1568160"/>
+          </a:xfrm>
+          <a:prstGeom prst="rect">
+            <a:avLst/>
+          </a:prstGeom>
+        </p:spPr>
+        <p:txBody>
+          <a:bodyPr lIns="0" rIns="0" tIns="0" bIns="0">
+            <a:normAutofit/>
+          </a:bodyPr>
+          <a:p>
+            <a:endParaRPr b="0" lang="en-US" sz="3200" spc="-1" strike="noStrike">
+              <a:latin typeface="Nimbus Sans"/>
+            </a:endParaRPr>
+          </a:p>
+        </p:txBody>
+      </p:sp>
+      <p:sp>
+        <p:nvSpPr>
+          <p:cNvPr id="63" name="PlaceHolder 3"/>
+          <p:cNvSpPr>
+            <a:spLocks noGrp="1"/>
+          </p:cNvSpPr>
+          <p:nvPr>
+            <p:ph type="body"/>
+          </p:nvPr>
+        </p:nvSpPr>
+        <p:spPr>
+          <a:xfrm>
+            <a:off x="504000" y="3044160"/>
+            <a:ext cx="9071280" cy="1568160"/>
+          </a:xfrm>
+          <a:prstGeom prst="rect">
+            <a:avLst/>
+          </a:prstGeom>
+        </p:spPr>
+        <p:txBody>
+          <a:bodyPr lIns="0" rIns="0" tIns="0" bIns="0">
+            <a:normAutofit/>
+          </a:bodyPr>
+          <a:p>
+            <a:endParaRPr b="0" lang="en-US" sz="3200" spc="-1" strike="noStrike">
+              <a:latin typeface="Nimbus Sans"/>
+            </a:endParaRPr>
+          </a:p>
+        </p:txBody>
+      </p:sp>
+    </p:spTree>
+  </p:cSld>
+</p:sldLayout>
+</file>
+
+<file path=ppt/slideLayouts/slideLayout23.xml><?xml version="1.0" encoding="utf-8"?>
+<p:sldLayout xmlns:a="http://schemas.openxmlformats.org/drawingml/2006/main" xmlns:p="http://schemas.openxmlformats.org/presentationml/2006/main" xmlns:r="http://schemas.openxmlformats.org/officeDocument/2006/relationships" xmlns:p14="http://schemas.microsoft.com/office/powerpoint/2010/main" xmlns:p15="http://schemas.microsoft.com/office/powerpoint/2012/main" xmlns:mc="http://schemas.openxmlformats.org/markup-compatibility/2006" type="fourObj" preserve="1">
+  <p:cSld name="Title, 4 Content">
+    <p:spTree>
+      <p:nvGrpSpPr>
+        <p:cNvPr id="1" name=""/>
+        <p:cNvGrpSpPr/>
+        <p:nvPr/>
+      </p:nvGrpSpPr>
+      <p:grpSpPr>
+        <a:xfrm>
+          <a:off x="0" y="0"/>
+          <a:ext cx="0" cy="0"/>
+          <a:chOff x="0" y="0"/>
+          <a:chExt cx="0" cy="0"/>
+        </a:xfrm>
+      </p:grpSpPr>
+      <p:sp>
+        <p:nvSpPr>
+          <p:cNvPr id="64" name="PlaceHolder 1"/>
+          <p:cNvSpPr>
+            <a:spLocks noGrp="1"/>
+          </p:cNvSpPr>
+          <p:nvPr>
+            <p:ph type="title"/>
+          </p:nvPr>
+        </p:nvSpPr>
+        <p:spPr>
+          <a:xfrm>
+            <a:off x="504000" y="226080"/>
+            <a:ext cx="9071280" cy="946080"/>
+          </a:xfrm>
+          <a:prstGeom prst="rect">
+            <a:avLst/>
+          </a:prstGeom>
+        </p:spPr>
+        <p:txBody>
+          <a:bodyPr lIns="0" rIns="0" tIns="0" bIns="0" anchor="ctr">
+            <a:noAutofit/>
+          </a:bodyPr>
+          <a:p>
+            <a:pPr algn="ctr"/>
+            <a:endParaRPr b="0" lang="en-US" sz="4400" spc="-1" strike="noStrike">
+              <a:latin typeface="Nimbus Sans"/>
+            </a:endParaRPr>
+          </a:p>
+        </p:txBody>
+      </p:sp>
+      <p:sp>
+        <p:nvSpPr>
+          <p:cNvPr id="65" name="PlaceHolder 2"/>
+          <p:cNvSpPr>
+            <a:spLocks noGrp="1"/>
+          </p:cNvSpPr>
+          <p:nvPr>
+            <p:ph type="body"/>
+          </p:nvPr>
+        </p:nvSpPr>
+        <p:spPr>
+          <a:xfrm>
+            <a:off x="504000" y="1326600"/>
+            <a:ext cx="4426560" cy="1568160"/>
+          </a:xfrm>
+          <a:prstGeom prst="rect">
+            <a:avLst/>
+          </a:prstGeom>
+        </p:spPr>
+        <p:txBody>
+          <a:bodyPr lIns="0" rIns="0" tIns="0" bIns="0">
+            <a:normAutofit/>
+          </a:bodyPr>
+          <a:p>
+            <a:endParaRPr b="0" lang="en-US" sz="3200" spc="-1" strike="noStrike">
+              <a:latin typeface="Nimbus Sans"/>
+            </a:endParaRPr>
+          </a:p>
+        </p:txBody>
+      </p:sp>
+      <p:sp>
+        <p:nvSpPr>
+          <p:cNvPr id="66" name="PlaceHolder 3"/>
+          <p:cNvSpPr>
+            <a:spLocks noGrp="1"/>
+          </p:cNvSpPr>
+          <p:nvPr>
+            <p:ph type="body"/>
+          </p:nvPr>
+        </p:nvSpPr>
+        <p:spPr>
+          <a:xfrm>
+            <a:off x="5152320" y="1326600"/>
+            <a:ext cx="4426560" cy="1568160"/>
+          </a:xfrm>
+          <a:prstGeom prst="rect">
+            <a:avLst/>
+          </a:prstGeom>
+        </p:spPr>
+        <p:txBody>
+          <a:bodyPr lIns="0" rIns="0" tIns="0" bIns="0">
+            <a:normAutofit/>
+          </a:bodyPr>
+          <a:p>
+            <a:endParaRPr b="0" lang="en-US" sz="3200" spc="-1" strike="noStrike">
+              <a:latin typeface="Nimbus Sans"/>
+            </a:endParaRPr>
+          </a:p>
+        </p:txBody>
+      </p:sp>
+      <p:sp>
+        <p:nvSpPr>
+          <p:cNvPr id="67" name="PlaceHolder 4"/>
+          <p:cNvSpPr>
+            <a:spLocks noGrp="1"/>
+          </p:cNvSpPr>
+          <p:nvPr>
+            <p:ph type="body"/>
+          </p:nvPr>
+        </p:nvSpPr>
+        <p:spPr>
+          <a:xfrm>
+            <a:off x="504000" y="3044160"/>
+            <a:ext cx="4426560" cy="1568160"/>
+          </a:xfrm>
+          <a:prstGeom prst="rect">
+            <a:avLst/>
+          </a:prstGeom>
+        </p:spPr>
+        <p:txBody>
+          <a:bodyPr lIns="0" rIns="0" tIns="0" bIns="0">
+            <a:normAutofit/>
+          </a:bodyPr>
+          <a:p>
+            <a:endParaRPr b="0" lang="en-US" sz="3200" spc="-1" strike="noStrike">
+              <a:latin typeface="Nimbus Sans"/>
+            </a:endParaRPr>
+          </a:p>
+        </p:txBody>
+      </p:sp>
+      <p:sp>
+        <p:nvSpPr>
+          <p:cNvPr id="68" name="PlaceHolder 5"/>
+          <p:cNvSpPr>
+            <a:spLocks noGrp="1"/>
+          </p:cNvSpPr>
+          <p:nvPr>
+            <p:ph type="body"/>
+          </p:nvPr>
+        </p:nvSpPr>
+        <p:spPr>
+          <a:xfrm>
+            <a:off x="5152320" y="3044160"/>
+            <a:ext cx="4426560" cy="1568160"/>
+          </a:xfrm>
+          <a:prstGeom prst="rect">
+            <a:avLst/>
+          </a:prstGeom>
+        </p:spPr>
+        <p:txBody>
+          <a:bodyPr lIns="0" rIns="0" tIns="0" bIns="0">
+            <a:normAutofit/>
+          </a:bodyPr>
+          <a:p>
+            <a:endParaRPr b="0" lang="en-US" sz="3200" spc="-1" strike="noStrike">
+              <a:latin typeface="Nimbus Sans"/>
+            </a:endParaRPr>
+          </a:p>
+        </p:txBody>
+      </p:sp>
+    </p:spTree>
+  </p:cSld>
+</p:sldLayout>
+</file>
+
+<file path=ppt/slideLayouts/slideLayout24.xml><?xml version="1.0" encoding="utf-8"?>
+<p:sldLayout xmlns:a="http://schemas.openxmlformats.org/drawingml/2006/main" xmlns:p="http://schemas.openxmlformats.org/presentationml/2006/main" xmlns:r="http://schemas.openxmlformats.org/officeDocument/2006/relationships" xmlns:p14="http://schemas.microsoft.com/office/powerpoint/2010/main" xmlns:p15="http://schemas.microsoft.com/office/powerpoint/2012/main" xmlns:mc="http://schemas.openxmlformats.org/markup-compatibility/2006" type="blank" preserve="1">
+  <p:cSld name="Title, 6 Content">
+    <p:spTree>
+      <p:nvGrpSpPr>
+        <p:cNvPr id="1" name=""/>
+        <p:cNvGrpSpPr/>
+        <p:nvPr/>
+      </p:nvGrpSpPr>
+      <p:grpSpPr>
+        <a:xfrm>
+          <a:off x="0" y="0"/>
+          <a:ext cx="0" cy="0"/>
+          <a:chOff x="0" y="0"/>
+          <a:chExt cx="0" cy="0"/>
+        </a:xfrm>
+      </p:grpSpPr>
+      <p:sp>
+        <p:nvSpPr>
+          <p:cNvPr id="69" name="PlaceHolder 1"/>
+          <p:cNvSpPr>
+            <a:spLocks noGrp="1"/>
+          </p:cNvSpPr>
+          <p:nvPr>
+            <p:ph type="title"/>
+          </p:nvPr>
+        </p:nvSpPr>
+        <p:spPr>
+          <a:xfrm>
+            <a:off x="504000" y="226080"/>
+            <a:ext cx="9071280" cy="946080"/>
+          </a:xfrm>
+          <a:prstGeom prst="rect">
+            <a:avLst/>
+          </a:prstGeom>
+        </p:spPr>
+        <p:txBody>
+          <a:bodyPr lIns="0" rIns="0" tIns="0" bIns="0" anchor="ctr">
+            <a:noAutofit/>
+          </a:bodyPr>
+          <a:p>
+            <a:pPr algn="ctr"/>
+            <a:endParaRPr b="0" lang="en-US" sz="4400" spc="-1" strike="noStrike">
+              <a:latin typeface="Nimbus Sans"/>
+            </a:endParaRPr>
+          </a:p>
+        </p:txBody>
+      </p:sp>
+      <p:sp>
+        <p:nvSpPr>
+          <p:cNvPr id="70" name="PlaceHolder 2"/>
+          <p:cNvSpPr>
+            <a:spLocks noGrp="1"/>
+          </p:cNvSpPr>
+          <p:nvPr>
+            <p:ph type="body"/>
+          </p:nvPr>
+        </p:nvSpPr>
+        <p:spPr>
+          <a:xfrm>
+            <a:off x="504000" y="1326600"/>
+            <a:ext cx="2920680" cy="1568160"/>
+          </a:xfrm>
+          <a:prstGeom prst="rect">
+            <a:avLst/>
+          </a:prstGeom>
+        </p:spPr>
+        <p:txBody>
+          <a:bodyPr lIns="0" rIns="0" tIns="0" bIns="0">
+            <a:normAutofit/>
+          </a:bodyPr>
+          <a:p>
+            <a:endParaRPr b="0" lang="en-US" sz="3200" spc="-1" strike="noStrike">
+              <a:latin typeface="Nimbus Sans"/>
+            </a:endParaRPr>
+          </a:p>
+        </p:txBody>
+      </p:sp>
+      <p:sp>
+        <p:nvSpPr>
+          <p:cNvPr id="71" name="PlaceHolder 3"/>
+          <p:cNvSpPr>
+            <a:spLocks noGrp="1"/>
+          </p:cNvSpPr>
+          <p:nvPr>
+            <p:ph type="body"/>
+          </p:nvPr>
+        </p:nvSpPr>
+        <p:spPr>
+          <a:xfrm>
+            <a:off x="3571200" y="1326600"/>
+            <a:ext cx="2920680" cy="1568160"/>
+          </a:xfrm>
+          <a:prstGeom prst="rect">
+            <a:avLst/>
+          </a:prstGeom>
+        </p:spPr>
+        <p:txBody>
+          <a:bodyPr lIns="0" rIns="0" tIns="0" bIns="0">
+            <a:normAutofit/>
+          </a:bodyPr>
+          <a:p>
+            <a:endParaRPr b="0" lang="en-US" sz="3200" spc="-1" strike="noStrike">
+              <a:latin typeface="Nimbus Sans"/>
+            </a:endParaRPr>
+          </a:p>
+        </p:txBody>
+      </p:sp>
+      <p:sp>
+        <p:nvSpPr>
+          <p:cNvPr id="72" name="PlaceHolder 4"/>
+          <p:cNvSpPr>
+            <a:spLocks noGrp="1"/>
+          </p:cNvSpPr>
+          <p:nvPr>
+            <p:ph type="body"/>
+          </p:nvPr>
+        </p:nvSpPr>
+        <p:spPr>
+          <a:xfrm>
+            <a:off x="6638040" y="1326600"/>
+            <a:ext cx="2920680" cy="1568160"/>
+          </a:xfrm>
+          <a:prstGeom prst="rect">
+            <a:avLst/>
+          </a:prstGeom>
+        </p:spPr>
+        <p:txBody>
+          <a:bodyPr lIns="0" rIns="0" tIns="0" bIns="0">
+            <a:normAutofit/>
+          </a:bodyPr>
+          <a:p>
+            <a:endParaRPr b="0" lang="en-US" sz="3200" spc="-1" strike="noStrike">
+              <a:latin typeface="Nimbus Sans"/>
+            </a:endParaRPr>
+          </a:p>
+        </p:txBody>
+      </p:sp>
+      <p:sp>
+        <p:nvSpPr>
+          <p:cNvPr id="73" name="PlaceHolder 5"/>
+          <p:cNvSpPr>
+            <a:spLocks noGrp="1"/>
+          </p:cNvSpPr>
+          <p:nvPr>
+            <p:ph type="body"/>
+          </p:nvPr>
+        </p:nvSpPr>
+        <p:spPr>
+          <a:xfrm>
+            <a:off x="504000" y="3044160"/>
+            <a:ext cx="2920680" cy="1568160"/>
+          </a:xfrm>
+          <a:prstGeom prst="rect">
+            <a:avLst/>
+          </a:prstGeom>
+        </p:spPr>
+        <p:txBody>
+          <a:bodyPr lIns="0" rIns="0" tIns="0" bIns="0">
+            <a:normAutofit/>
+          </a:bodyPr>
+          <a:p>
+            <a:endParaRPr b="0" lang="en-US" sz="3200" spc="-1" strike="noStrike">
+              <a:latin typeface="Nimbus Sans"/>
+            </a:endParaRPr>
+          </a:p>
+        </p:txBody>
+      </p:sp>
+      <p:sp>
+        <p:nvSpPr>
+          <p:cNvPr id="74" name="PlaceHolder 6"/>
+          <p:cNvSpPr>
+            <a:spLocks noGrp="1"/>
+          </p:cNvSpPr>
+          <p:nvPr>
+            <p:ph type="body"/>
+          </p:nvPr>
+        </p:nvSpPr>
+        <p:spPr>
+          <a:xfrm>
+            <a:off x="3571200" y="3044160"/>
+            <a:ext cx="2920680" cy="1568160"/>
+          </a:xfrm>
+          <a:prstGeom prst="rect">
+            <a:avLst/>
+          </a:prstGeom>
+        </p:spPr>
+        <p:txBody>
+          <a:bodyPr lIns="0" rIns="0" tIns="0" bIns="0">
+            <a:normAutofit/>
+          </a:bodyPr>
+          <a:p>
+            <a:endParaRPr b="0" lang="en-US" sz="3200" spc="-1" strike="noStrike">
+              <a:latin typeface="Nimbus Sans"/>
+            </a:endParaRPr>
+          </a:p>
+        </p:txBody>
+      </p:sp>
+      <p:sp>
+        <p:nvSpPr>
+          <p:cNvPr id="75" name="PlaceHolder 7"/>
+          <p:cNvSpPr>
+            <a:spLocks noGrp="1"/>
+          </p:cNvSpPr>
+          <p:nvPr>
+            <p:ph type="body"/>
+          </p:nvPr>
+        </p:nvSpPr>
+        <p:spPr>
+          <a:xfrm>
+            <a:off x="6638040" y="3044160"/>
+            <a:ext cx="2920680" cy="1568160"/>
+          </a:xfrm>
+          <a:prstGeom prst="rect">
+            <a:avLst/>
+          </a:prstGeom>
+        </p:spPr>
+        <p:txBody>
+          <a:bodyPr lIns="0" rIns="0" tIns="0" bIns="0">
+            <a:normAutofit/>
+          </a:bodyPr>
+          <a:p>
             <a:endParaRPr b="0" lang="en-US" sz="3200" spc="-1" strike="noStrike">
               <a:latin typeface="Nimbus Sans"/>
             </a:endParaRPr>
@@ -688,7 +2045,7 @@
       </p:grpSpPr>
       <p:sp>
         <p:nvSpPr>
-          <p:cNvPr id="7" name="PlaceHolder 1"/>
+          <p:cNvPr id="4" name="PlaceHolder 1"/>
           <p:cNvSpPr>
             <a:spLocks noGrp="1"/>
           </p:cNvSpPr>
@@ -699,7 +2056,7 @@
         <p:spPr>
           <a:xfrm>
             <a:off x="504000" y="226080"/>
-            <a:ext cx="9071640" cy="946440"/>
+            <a:ext cx="9071280" cy="946080"/>
           </a:xfrm>
           <a:prstGeom prst="rect">
             <a:avLst/>
@@ -719,7 +2076,7 @@
       </p:sp>
       <p:sp>
         <p:nvSpPr>
-          <p:cNvPr id="8" name="PlaceHolder 2"/>
+          <p:cNvPr id="5" name="PlaceHolder 2"/>
           <p:cNvSpPr>
             <a:spLocks noGrp="1"/>
           </p:cNvSpPr>
@@ -730,7 +2087,7 @@
         <p:spPr>
           <a:xfrm>
             <a:off x="504000" y="1326600"/>
-            <a:ext cx="9071640" cy="3288240"/>
+            <a:ext cx="9071280" cy="3287880"/>
           </a:xfrm>
           <a:prstGeom prst="rect">
             <a:avLst/>
@@ -771,7 +2128,7 @@
       </p:grpSpPr>
       <p:sp>
         <p:nvSpPr>
-          <p:cNvPr id="9" name="PlaceHolder 1"/>
+          <p:cNvPr id="6" name="PlaceHolder 1"/>
           <p:cNvSpPr>
             <a:spLocks noGrp="1"/>
           </p:cNvSpPr>
@@ -782,7 +2139,7 @@
         <p:spPr>
           <a:xfrm>
             <a:off x="504000" y="226080"/>
-            <a:ext cx="9071640" cy="946440"/>
+            <a:ext cx="9071280" cy="946080"/>
           </a:xfrm>
           <a:prstGeom prst="rect">
             <a:avLst/>
@@ -802,7 +2159,7 @@
       </p:sp>
       <p:sp>
         <p:nvSpPr>
-          <p:cNvPr id="10" name="PlaceHolder 2"/>
+          <p:cNvPr id="7" name="PlaceHolder 2"/>
           <p:cNvSpPr>
             <a:spLocks noGrp="1"/>
           </p:cNvSpPr>
@@ -813,7 +2170,7 @@
         <p:spPr>
           <a:xfrm>
             <a:off x="504000" y="1326600"/>
-            <a:ext cx="4426920" cy="3288240"/>
+            <a:ext cx="4426560" cy="3287880"/>
           </a:xfrm>
           <a:prstGeom prst="rect">
             <a:avLst/>
@@ -832,7 +2189,7 @@
       </p:sp>
       <p:sp>
         <p:nvSpPr>
-          <p:cNvPr id="11" name="PlaceHolder 3"/>
+          <p:cNvPr id="8" name="PlaceHolder 3"/>
           <p:cNvSpPr>
             <a:spLocks noGrp="1"/>
           </p:cNvSpPr>
@@ -842,8 +2199,8 @@
         </p:nvSpPr>
         <p:spPr>
           <a:xfrm>
-            <a:off x="5152680" y="1326600"/>
-            <a:ext cx="4426920" cy="3288240"/>
+            <a:off x="5152320" y="1326600"/>
+            <a:ext cx="4426560" cy="3287880"/>
           </a:xfrm>
           <a:prstGeom prst="rect">
             <a:avLst/>
@@ -884,7 +2241,7 @@
       </p:grpSpPr>
       <p:sp>
         <p:nvSpPr>
-          <p:cNvPr id="12" name="PlaceHolder 1"/>
+          <p:cNvPr id="9" name="PlaceHolder 1"/>
           <p:cNvSpPr>
             <a:spLocks noGrp="1"/>
           </p:cNvSpPr>
@@ -895,7 +2252,7 @@
         <p:spPr>
           <a:xfrm>
             <a:off x="504000" y="226080"/>
-            <a:ext cx="9071640" cy="946440"/>
+            <a:ext cx="9071280" cy="946080"/>
           </a:xfrm>
           <a:prstGeom prst="rect">
             <a:avLst/>
@@ -937,7 +2294,7 @@
       </p:grpSpPr>
       <p:sp>
         <p:nvSpPr>
-          <p:cNvPr id="13" name="PlaceHolder 1"/>
+          <p:cNvPr id="10" name="PlaceHolder 1"/>
           <p:cNvSpPr>
             <a:spLocks noGrp="1"/>
           </p:cNvSpPr>
@@ -948,7 +2305,7 @@
         <p:spPr>
           <a:xfrm>
             <a:off x="504000" y="226080"/>
-            <a:ext cx="9071640" cy="4388400"/>
+            <a:ext cx="9071280" cy="4386600"/>
           </a:xfrm>
           <a:prstGeom prst="rect">
             <a:avLst/>
@@ -990,7 +2347,7 @@
       </p:grpSpPr>
       <p:sp>
         <p:nvSpPr>
-          <p:cNvPr id="14" name="PlaceHolder 1"/>
+          <p:cNvPr id="11" name="PlaceHolder 1"/>
           <p:cNvSpPr>
             <a:spLocks noGrp="1"/>
           </p:cNvSpPr>
@@ -1001,7 +2358,7 @@
         <p:spPr>
           <a:xfrm>
             <a:off x="504000" y="226080"/>
-            <a:ext cx="9071640" cy="946440"/>
+            <a:ext cx="9071280" cy="946080"/>
           </a:xfrm>
           <a:prstGeom prst="rect">
             <a:avLst/>
@@ -1021,7 +2378,7 @@
       </p:sp>
       <p:sp>
         <p:nvSpPr>
-          <p:cNvPr id="15" name="PlaceHolder 2"/>
+          <p:cNvPr id="12" name="PlaceHolder 2"/>
           <p:cNvSpPr>
             <a:spLocks noGrp="1"/>
           </p:cNvSpPr>
@@ -1032,7 +2389,7 @@
         <p:spPr>
           <a:xfrm>
             <a:off x="504000" y="1326600"/>
-            <a:ext cx="4426920" cy="1568160"/>
+            <a:ext cx="4426560" cy="1568160"/>
           </a:xfrm>
           <a:prstGeom prst="rect">
             <a:avLst/>
@@ -1051,7 +2408,7 @@
       </p:sp>
       <p:sp>
         <p:nvSpPr>
-          <p:cNvPr id="16" name="PlaceHolder 3"/>
+          <p:cNvPr id="13" name="PlaceHolder 3"/>
           <p:cNvSpPr>
             <a:spLocks noGrp="1"/>
           </p:cNvSpPr>
@@ -1061,8 +2418,8 @@
         </p:nvSpPr>
         <p:spPr>
           <a:xfrm>
-            <a:off x="5152680" y="1326600"/>
-            <a:ext cx="4426920" cy="3288240"/>
+            <a:off x="5152320" y="1326600"/>
+            <a:ext cx="4426560" cy="3287880"/>
           </a:xfrm>
           <a:prstGeom prst="rect">
             <a:avLst/>
@@ -1081,7 +2438,7 @@
       </p:sp>
       <p:sp>
         <p:nvSpPr>
-          <p:cNvPr id="17" name="PlaceHolder 4"/>
+          <p:cNvPr id="14" name="PlaceHolder 4"/>
           <p:cNvSpPr>
             <a:spLocks noGrp="1"/>
           </p:cNvSpPr>
@@ -1092,7 +2449,7 @@
         <p:spPr>
           <a:xfrm>
             <a:off x="504000" y="3044160"/>
-            <a:ext cx="4426920" cy="1568160"/>
+            <a:ext cx="4426560" cy="1568160"/>
           </a:xfrm>
           <a:prstGeom prst="rect">
             <a:avLst/>
@@ -1133,7 +2490,7 @@
       </p:grpSpPr>
       <p:sp>
         <p:nvSpPr>
-          <p:cNvPr id="18" name="PlaceHolder 1"/>
+          <p:cNvPr id="15" name="PlaceHolder 1"/>
           <p:cNvSpPr>
             <a:spLocks noGrp="1"/>
           </p:cNvSpPr>
@@ -1144,7 +2501,7 @@
         <p:spPr>
           <a:xfrm>
             <a:off x="504000" y="226080"/>
-            <a:ext cx="9071640" cy="946440"/>
+            <a:ext cx="9071280" cy="946080"/>
           </a:xfrm>
           <a:prstGeom prst="rect">
             <a:avLst/>
@@ -1164,7 +2521,7 @@
       </p:sp>
       <p:sp>
         <p:nvSpPr>
-          <p:cNvPr id="19" name="PlaceHolder 2"/>
+          <p:cNvPr id="16" name="PlaceHolder 2"/>
           <p:cNvSpPr>
             <a:spLocks noGrp="1"/>
           </p:cNvSpPr>
@@ -1175,7 +2532,7 @@
         <p:spPr>
           <a:xfrm>
             <a:off x="504000" y="1326600"/>
-            <a:ext cx="4426920" cy="3288240"/>
+            <a:ext cx="4426560" cy="3287880"/>
           </a:xfrm>
           <a:prstGeom prst="rect">
             <a:avLst/>
@@ -1194,7 +2551,7 @@
       </p:sp>
       <p:sp>
         <p:nvSpPr>
-          <p:cNvPr id="20" name="PlaceHolder 3"/>
+          <p:cNvPr id="17" name="PlaceHolder 3"/>
           <p:cNvSpPr>
             <a:spLocks noGrp="1"/>
           </p:cNvSpPr>
@@ -1204,8 +2561,8 @@
         </p:nvSpPr>
         <p:spPr>
           <a:xfrm>
-            <a:off x="5152680" y="1326600"/>
-            <a:ext cx="4426920" cy="1568160"/>
+            <a:off x="5152320" y="1326600"/>
+            <a:ext cx="4426560" cy="1568160"/>
           </a:xfrm>
           <a:prstGeom prst="rect">
             <a:avLst/>
@@ -1224,7 +2581,7 @@
       </p:sp>
       <p:sp>
         <p:nvSpPr>
-          <p:cNvPr id="21" name="PlaceHolder 4"/>
+          <p:cNvPr id="18" name="PlaceHolder 4"/>
           <p:cNvSpPr>
             <a:spLocks noGrp="1"/>
           </p:cNvSpPr>
@@ -1234,8 +2591,8 @@
         </p:nvSpPr>
         <p:spPr>
           <a:xfrm>
-            <a:off x="5152680" y="3044160"/>
-            <a:ext cx="4426920" cy="1568160"/>
+            <a:off x="5152320" y="3044160"/>
+            <a:ext cx="4426560" cy="1568160"/>
           </a:xfrm>
           <a:prstGeom prst="rect">
             <a:avLst/>
@@ -1276,7 +2633,7 @@
       </p:grpSpPr>
       <p:sp>
         <p:nvSpPr>
-          <p:cNvPr id="22" name="PlaceHolder 1"/>
+          <p:cNvPr id="19" name="PlaceHolder 1"/>
           <p:cNvSpPr>
             <a:spLocks noGrp="1"/>
           </p:cNvSpPr>
@@ -1287,7 +2644,7 @@
         <p:spPr>
           <a:xfrm>
             <a:off x="504000" y="226080"/>
-            <a:ext cx="9071640" cy="946440"/>
+            <a:ext cx="9071280" cy="946080"/>
           </a:xfrm>
           <a:prstGeom prst="rect">
             <a:avLst/>
@@ -1307,7 +2664,7 @@
       </p:sp>
       <p:sp>
         <p:nvSpPr>
-          <p:cNvPr id="23" name="PlaceHolder 2"/>
+          <p:cNvPr id="20" name="PlaceHolder 2"/>
           <p:cNvSpPr>
             <a:spLocks noGrp="1"/>
           </p:cNvSpPr>
@@ -1318,7 +2675,7 @@
         <p:spPr>
           <a:xfrm>
             <a:off x="504000" y="1326600"/>
-            <a:ext cx="4426920" cy="1568160"/>
+            <a:ext cx="4426560" cy="1568160"/>
           </a:xfrm>
           <a:prstGeom prst="rect">
             <a:avLst/>
@@ -1337,7 +2694,7 @@
       </p:sp>
       <p:sp>
         <p:nvSpPr>
-          <p:cNvPr id="24" name="PlaceHolder 3"/>
+          <p:cNvPr id="21" name="PlaceHolder 3"/>
           <p:cNvSpPr>
             <a:spLocks noGrp="1"/>
           </p:cNvSpPr>
@@ -1347,8 +2704,8 @@
         </p:nvSpPr>
         <p:spPr>
           <a:xfrm>
-            <a:off x="5152680" y="1326600"/>
-            <a:ext cx="4426920" cy="1568160"/>
+            <a:off x="5152320" y="1326600"/>
+            <a:ext cx="4426560" cy="1568160"/>
           </a:xfrm>
           <a:prstGeom prst="rect">
             <a:avLst/>
@@ -1367,7 +2724,7 @@
       </p:sp>
       <p:sp>
         <p:nvSpPr>
-          <p:cNvPr id="25" name="PlaceHolder 4"/>
+          <p:cNvPr id="22" name="PlaceHolder 4"/>
           <p:cNvSpPr>
             <a:spLocks noGrp="1"/>
           </p:cNvSpPr>
@@ -1378,7 +2735,7 @@
         <p:spPr>
           <a:xfrm>
             <a:off x="504000" y="3044160"/>
-            <a:ext cx="9071640" cy="1568160"/>
+            <a:ext cx="9071280" cy="1568160"/>
           </a:xfrm>
           <a:prstGeom prst="rect">
             <a:avLst/>
@@ -1430,7 +2787,7 @@
         <p:spPr>
           <a:xfrm>
             <a:off x="504000" y="226080"/>
-            <a:ext cx="9071640" cy="946440"/>
+            <a:ext cx="9071280" cy="946080"/>
           </a:xfrm>
           <a:prstGeom prst="rect">
             <a:avLst/>
@@ -1441,14 +2798,13 @@
             <a:noAutofit/>
           </a:bodyPr>
           <a:p>
-            <a:pPr algn="ctr"/>
-            <a:r>
-              <a:rPr b="0" lang="en-US" sz="4400" spc="-1" strike="noStrike">
+            <a:r>
+              <a:rPr b="0" lang="en-US" sz="1800" spc="-1" strike="noStrike">
                 <a:latin typeface="Nimbus Sans"/>
               </a:rPr>
               <a:t>Click to edit the title text format</a:t>
             </a:r>
-            <a:endParaRPr b="0" lang="en-US" sz="4400" spc="-1" strike="noStrike">
+            <a:endParaRPr b="0" lang="en-US" sz="1800" spc="-1" strike="noStrike">
               <a:latin typeface="Nimbus Sans"/>
             </a:endParaRPr>
           </a:p>
@@ -1467,7 +2823,7 @@
         <p:spPr>
           <a:xfrm>
             <a:off x="504000" y="1326600"/>
-            <a:ext cx="9071640" cy="3288240"/>
+            <a:ext cx="9072000" cy="3288600"/>
           </a:xfrm>
           <a:prstGeom prst="rect">
             <a:avLst/>
@@ -1629,116 +2985,6 @@
             </a:r>
             <a:endParaRPr b="0" lang="en-US" sz="2000" spc="-1" strike="noStrike">
               <a:latin typeface="Nimbus Sans"/>
-            </a:endParaRPr>
-          </a:p>
-        </p:txBody>
-      </p:sp>
-      <p:sp>
-        <p:nvSpPr>
-          <p:cNvPr id="2" name="PlaceHolder 3"/>
-          <p:cNvSpPr>
-            <a:spLocks noGrp="1"/>
-          </p:cNvSpPr>
-          <p:nvPr>
-            <p:ph type="dt"/>
-          </p:nvPr>
-        </p:nvSpPr>
-        <p:spPr>
-          <a:xfrm>
-            <a:off x="504000" y="5165280"/>
-            <a:ext cx="2348280" cy="390600"/>
-          </a:xfrm>
-          <a:prstGeom prst="rect">
-            <a:avLst/>
-          </a:prstGeom>
-        </p:spPr>
-        <p:txBody>
-          <a:bodyPr lIns="0" rIns="0" tIns="0" bIns="0">
-            <a:noAutofit/>
-          </a:bodyPr>
-          <a:p>
-            <a:r>
-              <a:rPr b="0" lang="en-US" sz="1400" spc="-1" strike="noStrike">
-                <a:latin typeface="Nimbus Roman"/>
-              </a:rPr>
-              <a:t>&lt;date/time&gt;</a:t>
-            </a:r>
-            <a:endParaRPr b="0" lang="en-US" sz="1400" spc="-1" strike="noStrike">
-              <a:latin typeface="Nimbus Roman"/>
-            </a:endParaRPr>
-          </a:p>
-        </p:txBody>
-      </p:sp>
-      <p:sp>
-        <p:nvSpPr>
-          <p:cNvPr id="3" name="PlaceHolder 4"/>
-          <p:cNvSpPr>
-            <a:spLocks noGrp="1"/>
-          </p:cNvSpPr>
-          <p:nvPr>
-            <p:ph type="ftr"/>
-          </p:nvPr>
-        </p:nvSpPr>
-        <p:spPr>
-          <a:xfrm>
-            <a:off x="3447360" y="5165280"/>
-            <a:ext cx="3195000" cy="390600"/>
-          </a:xfrm>
-          <a:prstGeom prst="rect">
-            <a:avLst/>
-          </a:prstGeom>
-        </p:spPr>
-        <p:txBody>
-          <a:bodyPr lIns="0" rIns="0" tIns="0" bIns="0">
-            <a:noAutofit/>
-          </a:bodyPr>
-          <a:p>
-            <a:pPr algn="ctr"/>
-            <a:r>
-              <a:rPr b="0" lang="en-US" sz="1400" spc="-1" strike="noStrike">
-                <a:latin typeface="Nimbus Roman"/>
-              </a:rPr>
-              <a:t>&lt;footer&gt;</a:t>
-            </a:r>
-            <a:endParaRPr b="0" lang="en-US" sz="1400" spc="-1" strike="noStrike">
-              <a:latin typeface="Nimbus Roman"/>
-            </a:endParaRPr>
-          </a:p>
-        </p:txBody>
-      </p:sp>
-      <p:sp>
-        <p:nvSpPr>
-          <p:cNvPr id="4" name="PlaceHolder 5"/>
-          <p:cNvSpPr>
-            <a:spLocks noGrp="1"/>
-          </p:cNvSpPr>
-          <p:nvPr>
-            <p:ph type="sldNum"/>
-          </p:nvPr>
-        </p:nvSpPr>
-        <p:spPr>
-          <a:xfrm>
-            <a:off x="7227360" y="5165280"/>
-            <a:ext cx="2348280" cy="390600"/>
-          </a:xfrm>
-          <a:prstGeom prst="rect">
-            <a:avLst/>
-          </a:prstGeom>
-        </p:spPr>
-        <p:txBody>
-          <a:bodyPr lIns="0" rIns="0" tIns="0" bIns="0">
-            <a:noAutofit/>
-          </a:bodyPr>
-          <a:p>
-            <a:pPr algn="r"/>
-            <a:fld id="{E778E14C-CB81-45D0-B8AC-73C7E2B81465}" type="slidenum">
-              <a:rPr b="0" lang="en-US" sz="1400" spc="-1" strike="noStrike">
-                <a:latin typeface="Nimbus Roman"/>
-              </a:rPr>
-              <a:t>&lt;number&gt;</a:t>
-            </a:fld>
-            <a:endParaRPr b="0" lang="en-US" sz="1400" spc="-1" strike="noStrike">
-              <a:latin typeface="Nimbus Roman"/>
             </a:endParaRPr>
           </a:p>
         </p:txBody>
@@ -1759,6 +3005,258 @@
     <p:sldLayoutId id="2147483658" r:id="rId11"/>
     <p:sldLayoutId id="2147483659" r:id="rId12"/>
     <p:sldLayoutId id="2147483660" r:id="rId13"/>
+  </p:sldLayoutIdLst>
+</p:sldMaster>
+</file>
+
+<file path=ppt/slideMasters/slideMaster2.xml><?xml version="1.0" encoding="utf-8"?>
+<p:sldMaster xmlns:a="http://schemas.openxmlformats.org/drawingml/2006/main" xmlns:p="http://schemas.openxmlformats.org/presentationml/2006/main" xmlns:r="http://schemas.openxmlformats.org/officeDocument/2006/relationships" xmlns:p14="http://schemas.microsoft.com/office/powerpoint/2010/main" xmlns:p15="http://schemas.microsoft.com/office/powerpoint/2012/main" xmlns:mc="http://schemas.openxmlformats.org/markup-compatibility/2006">
+  <p:cSld>
+    <p:spTree>
+      <p:nvGrpSpPr>
+        <p:cNvPr id="1" name=""/>
+        <p:cNvGrpSpPr/>
+        <p:nvPr/>
+      </p:nvGrpSpPr>
+      <p:grpSpPr>
+        <a:xfrm>
+          <a:off x="0" y="0"/>
+          <a:ext cx="0" cy="0"/>
+          <a:chOff x="0" y="0"/>
+          <a:chExt cx="0" cy="0"/>
+        </a:xfrm>
+      </p:grpSpPr>
+      <p:sp>
+        <p:nvSpPr>
+          <p:cNvPr id="38" name="PlaceHolder 1"/>
+          <p:cNvSpPr>
+            <a:spLocks noGrp="1"/>
+          </p:cNvSpPr>
+          <p:nvPr>
+            <p:ph type="title"/>
+          </p:nvPr>
+        </p:nvSpPr>
+        <p:spPr>
+          <a:xfrm>
+            <a:off x="504000" y="226080"/>
+            <a:ext cx="9071280" cy="946080"/>
+          </a:xfrm>
+          <a:prstGeom prst="rect">
+            <a:avLst/>
+          </a:prstGeom>
+        </p:spPr>
+        <p:txBody>
+          <a:bodyPr lIns="0" rIns="0" tIns="0" bIns="0" anchor="ctr">
+            <a:noAutofit/>
+          </a:bodyPr>
+          <a:p>
+            <a:r>
+              <a:rPr b="0" lang="en-US" sz="1800" spc="-1" strike="noStrike">
+                <a:latin typeface="Nimbus Sans"/>
+              </a:rPr>
+              <a:t>Click to edit the title text format</a:t>
+            </a:r>
+            <a:endParaRPr b="0" lang="en-US" sz="1800" spc="-1" strike="noStrike">
+              <a:latin typeface="Nimbus Sans"/>
+            </a:endParaRPr>
+          </a:p>
+        </p:txBody>
+      </p:sp>
+      <p:sp>
+        <p:nvSpPr>
+          <p:cNvPr id="39" name="PlaceHolder 2"/>
+          <p:cNvSpPr>
+            <a:spLocks noGrp="1"/>
+          </p:cNvSpPr>
+          <p:nvPr>
+            <p:ph type="body"/>
+          </p:nvPr>
+        </p:nvSpPr>
+        <p:spPr>
+          <a:xfrm>
+            <a:off x="504000" y="1326600"/>
+            <a:ext cx="9071280" cy="3287880"/>
+          </a:xfrm>
+          <a:prstGeom prst="rect">
+            <a:avLst/>
+          </a:prstGeom>
+        </p:spPr>
+        <p:txBody>
+          <a:bodyPr lIns="0" rIns="0" tIns="0" bIns="0">
+            <a:normAutofit/>
+          </a:bodyPr>
+          <a:p>
+            <a:pPr marL="432000" indent="-324000">
+              <a:spcBef>
+                <a:spcPts val="1417"/>
+              </a:spcBef>
+              <a:buClr>
+                <a:srgbClr val="000000"/>
+              </a:buClr>
+              <a:buSzPct val="45000"/>
+              <a:buFont typeface="Wingdings" charset="2"/>
+              <a:buChar char=""/>
+            </a:pPr>
+            <a:r>
+              <a:rPr b="0" lang="en-US" sz="1800" spc="-1" strike="noStrike">
+                <a:latin typeface="Nimbus Sans"/>
+              </a:rPr>
+              <a:t>Click to edit the outline text format</a:t>
+            </a:r>
+            <a:endParaRPr b="0" lang="en-US" sz="1800" spc="-1" strike="noStrike">
+              <a:latin typeface="Nimbus Sans"/>
+            </a:endParaRPr>
+          </a:p>
+          <a:p>
+            <a:pPr lvl="1" marL="864000" indent="-324000">
+              <a:spcBef>
+                <a:spcPts val="1134"/>
+              </a:spcBef>
+              <a:buClr>
+                <a:srgbClr val="000000"/>
+              </a:buClr>
+              <a:buSzPct val="75000"/>
+              <a:buFont typeface="Symbol" charset="2"/>
+              <a:buChar char=""/>
+            </a:pPr>
+            <a:r>
+              <a:rPr b="0" lang="en-US" sz="1800" spc="-1" strike="noStrike">
+                <a:latin typeface="Nimbus Sans"/>
+              </a:rPr>
+              <a:t>Second Outline Level</a:t>
+            </a:r>
+            <a:endParaRPr b="0" lang="en-US" sz="1800" spc="-1" strike="noStrike">
+              <a:latin typeface="Nimbus Sans"/>
+            </a:endParaRPr>
+          </a:p>
+          <a:p>
+            <a:pPr lvl="2" marL="1296000" indent="-288000">
+              <a:spcBef>
+                <a:spcPts val="850"/>
+              </a:spcBef>
+              <a:buClr>
+                <a:srgbClr val="000000"/>
+              </a:buClr>
+              <a:buSzPct val="45000"/>
+              <a:buFont typeface="Wingdings" charset="2"/>
+              <a:buChar char=""/>
+            </a:pPr>
+            <a:r>
+              <a:rPr b="0" lang="en-US" sz="1800" spc="-1" strike="noStrike">
+                <a:latin typeface="Nimbus Sans"/>
+              </a:rPr>
+              <a:t>Third Outline Level</a:t>
+            </a:r>
+            <a:endParaRPr b="0" lang="en-US" sz="1800" spc="-1" strike="noStrike">
+              <a:latin typeface="Nimbus Sans"/>
+            </a:endParaRPr>
+          </a:p>
+          <a:p>
+            <a:pPr lvl="3" marL="1728000" indent="-216000">
+              <a:spcBef>
+                <a:spcPts val="567"/>
+              </a:spcBef>
+              <a:buClr>
+                <a:srgbClr val="000000"/>
+              </a:buClr>
+              <a:buSzPct val="75000"/>
+              <a:buFont typeface="Symbol" charset="2"/>
+              <a:buChar char=""/>
+            </a:pPr>
+            <a:r>
+              <a:rPr b="0" lang="en-US" sz="1800" spc="-1" strike="noStrike">
+                <a:latin typeface="Nimbus Sans"/>
+              </a:rPr>
+              <a:t>Fourth Outline Level</a:t>
+            </a:r>
+            <a:endParaRPr b="0" lang="en-US" sz="1800" spc="-1" strike="noStrike">
+              <a:latin typeface="Nimbus Sans"/>
+            </a:endParaRPr>
+          </a:p>
+          <a:p>
+            <a:pPr lvl="4" marL="2160000" indent="-216000">
+              <a:spcBef>
+                <a:spcPts val="283"/>
+              </a:spcBef>
+              <a:buClr>
+                <a:srgbClr val="000000"/>
+              </a:buClr>
+              <a:buSzPct val="45000"/>
+              <a:buFont typeface="Wingdings" charset="2"/>
+              <a:buChar char=""/>
+            </a:pPr>
+            <a:r>
+              <a:rPr b="0" lang="en-US" sz="1800" spc="-1" strike="noStrike">
+                <a:latin typeface="Nimbus Sans"/>
+              </a:rPr>
+              <a:t>Fifth Outline Level</a:t>
+            </a:r>
+            <a:endParaRPr b="0" lang="en-US" sz="1800" spc="-1" strike="noStrike">
+              <a:latin typeface="Nimbus Sans"/>
+            </a:endParaRPr>
+          </a:p>
+          <a:p>
+            <a:pPr lvl="5" marL="2592000" indent="-216000">
+              <a:spcBef>
+                <a:spcPts val="283"/>
+              </a:spcBef>
+              <a:buClr>
+                <a:srgbClr val="000000"/>
+              </a:buClr>
+              <a:buSzPct val="45000"/>
+              <a:buFont typeface="Wingdings" charset="2"/>
+              <a:buChar char=""/>
+            </a:pPr>
+            <a:r>
+              <a:rPr b="0" lang="en-US" sz="1800" spc="-1" strike="noStrike">
+                <a:latin typeface="Nimbus Sans"/>
+              </a:rPr>
+              <a:t>Sixth Outline Level</a:t>
+            </a:r>
+            <a:endParaRPr b="0" lang="en-US" sz="1800" spc="-1" strike="noStrike">
+              <a:latin typeface="Nimbus Sans"/>
+            </a:endParaRPr>
+          </a:p>
+          <a:p>
+            <a:pPr lvl="6" marL="3024000" indent="-216000">
+              <a:spcBef>
+                <a:spcPts val="283"/>
+              </a:spcBef>
+              <a:buClr>
+                <a:srgbClr val="000000"/>
+              </a:buClr>
+              <a:buSzPct val="45000"/>
+              <a:buFont typeface="Wingdings" charset="2"/>
+              <a:buChar char=""/>
+            </a:pPr>
+            <a:r>
+              <a:rPr b="0" lang="en-US" sz="1800" spc="-1" strike="noStrike">
+                <a:latin typeface="Nimbus Sans"/>
+              </a:rPr>
+              <a:t>Seventh Outline Level</a:t>
+            </a:r>
+            <a:endParaRPr b="0" lang="en-US" sz="1800" spc="-1" strike="noStrike">
+              <a:latin typeface="Nimbus Sans"/>
+            </a:endParaRPr>
+          </a:p>
+        </p:txBody>
+      </p:sp>
+    </p:spTree>
+  </p:cSld>
+  <p:clrMap bg1="lt1" bg2="lt2" tx1="dk1" tx2="dk2" accent1="accent1" accent2="accent2" accent3="accent3" accent4="accent4" accent5="accent5" accent6="accent6" hlink="hlink" folHlink="folHlink"/>
+  <p:sldLayoutIdLst>
+    <p:sldLayoutId id="2147483662" r:id="rId2"/>
+    <p:sldLayoutId id="2147483663" r:id="rId3"/>
+    <p:sldLayoutId id="2147483664" r:id="rId4"/>
+    <p:sldLayoutId id="2147483665" r:id="rId5"/>
+    <p:sldLayoutId id="2147483666" r:id="rId6"/>
+    <p:sldLayoutId id="2147483667" r:id="rId7"/>
+    <p:sldLayoutId id="2147483668" r:id="rId8"/>
+    <p:sldLayoutId id="2147483669" r:id="rId9"/>
+    <p:sldLayoutId id="2147483670" r:id="rId10"/>
+    <p:sldLayoutId id="2147483671" r:id="rId11"/>
+    <p:sldLayoutId id="2147483672" r:id="rId12"/>
+    <p:sldLayoutId id="2147483673" r:id="rId13"/>
   </p:sldLayoutIdLst>
 </p:sldMaster>
 </file>
@@ -1782,14 +3280,14 @@
       </p:grpSpPr>
       <p:sp>
         <p:nvSpPr>
-          <p:cNvPr id="41" name=""/>
-          <p:cNvSpPr txBox="1"/>
+          <p:cNvPr id="76" name=""/>
+          <p:cNvSpPr/>
           <p:nvPr/>
         </p:nvSpPr>
         <p:spPr>
           <a:xfrm>
             <a:off x="504000" y="378720"/>
-            <a:ext cx="9071640" cy="1678680"/>
+            <a:ext cx="9071280" cy="1678320"/>
           </a:xfrm>
           <a:prstGeom prst="rect">
             <a:avLst/>
@@ -1799,12 +3297,22 @@
             <a:noFill/>
           </a:ln>
         </p:spPr>
+        <p:style>
+          <a:lnRef idx="0"/>
+          <a:fillRef idx="0"/>
+          <a:effectRef idx="0"/>
+          <a:fontRef idx="minor"/>
+        </p:style>
         <p:txBody>
           <a:bodyPr lIns="0" rIns="0" tIns="0" bIns="0" anchor="ctr">
             <a:noAutofit/>
           </a:bodyPr>
           <a:p>
-            <a:pPr algn="ctr"/>
+            <a:pPr algn="ctr">
+              <a:lnSpc>
+                <a:spcPct val="100000"/>
+              </a:lnSpc>
+            </a:pPr>
             <a:r>
               <a:rPr b="0" lang="en-US" sz="4400" spc="-1" strike="noStrike">
                 <a:latin typeface="Nimbus Sans"/>
@@ -1819,14 +3327,14 @@
       </p:sp>
       <p:sp>
         <p:nvSpPr>
-          <p:cNvPr id="42" name=""/>
-          <p:cNvSpPr txBox="1"/>
+          <p:cNvPr id="77" name=""/>
+          <p:cNvSpPr/>
           <p:nvPr/>
         </p:nvSpPr>
         <p:spPr>
           <a:xfrm>
             <a:off x="6219360" y="3841200"/>
-            <a:ext cx="3860640" cy="959400"/>
+            <a:ext cx="3860280" cy="959040"/>
           </a:xfrm>
           <a:prstGeom prst="rect">
             <a:avLst/>
@@ -1836,12 +3344,22 @@
             <a:noFill/>
           </a:ln>
         </p:spPr>
+        <p:style>
+          <a:lnRef idx="0"/>
+          <a:fillRef idx="0"/>
+          <a:effectRef idx="0"/>
+          <a:fontRef idx="minor"/>
+        </p:style>
         <p:txBody>
           <a:bodyPr lIns="0" rIns="0" tIns="0" bIns="0" anchor="ctr">
             <a:noAutofit/>
           </a:bodyPr>
           <a:p>
-            <a:pPr algn="ctr"/>
+            <a:pPr algn="ctr">
+              <a:lnSpc>
+                <a:spcPct val="100000"/>
+              </a:lnSpc>
+            </a:pPr>
             <a:r>
               <a:rPr b="0" lang="en-US" sz="3200" spc="-1" strike="noStrike">
                 <a:latin typeface="Nimbus Sans"/>
@@ -1886,7 +3404,7 @@
       </p:grpSpPr>
       <p:pic>
         <p:nvPicPr>
-          <p:cNvPr id="59" name="" descr=""/>
+          <p:cNvPr id="94" name="" descr=""/>
           <p:cNvPicPr/>
           <p:nvPr/>
         </p:nvPicPr>
@@ -1897,7 +3415,7 @@
         <p:spPr>
           <a:xfrm>
             <a:off x="-15840" y="457200"/>
-            <a:ext cx="10115280" cy="5029200"/>
+            <a:ext cx="10114920" cy="5028840"/>
           </a:xfrm>
           <a:prstGeom prst="rect">
             <a:avLst/>
@@ -1939,7 +3457,7 @@
       </p:grpSpPr>
       <p:pic>
         <p:nvPicPr>
-          <p:cNvPr id="60" name="" descr=""/>
+          <p:cNvPr id="95" name="" descr=""/>
           <p:cNvPicPr/>
           <p:nvPr/>
         </p:nvPicPr>
@@ -1950,7 +3468,7 @@
         <p:spPr>
           <a:xfrm>
             <a:off x="-15840" y="457200"/>
-            <a:ext cx="10115280" cy="5029200"/>
+            <a:ext cx="10114920" cy="5028840"/>
           </a:xfrm>
           <a:prstGeom prst="rect">
             <a:avLst/>
@@ -1992,7 +3510,7 @@
       </p:grpSpPr>
       <p:pic>
         <p:nvPicPr>
-          <p:cNvPr id="61" name="" descr=""/>
+          <p:cNvPr id="96" name="" descr=""/>
           <p:cNvPicPr/>
           <p:nvPr/>
         </p:nvPicPr>
@@ -2003,7 +3521,7 @@
         <p:spPr>
           <a:xfrm>
             <a:off x="-15840" y="457200"/>
-            <a:ext cx="10115280" cy="5029200"/>
+            <a:ext cx="10114920" cy="5028840"/>
           </a:xfrm>
           <a:prstGeom prst="rect">
             <a:avLst/>
@@ -2045,14 +3563,14 @@
       </p:grpSpPr>
       <p:sp>
         <p:nvSpPr>
-          <p:cNvPr id="62" name=""/>
-          <p:cNvSpPr txBox="1"/>
+          <p:cNvPr id="97" name=""/>
+          <p:cNvSpPr/>
           <p:nvPr/>
         </p:nvSpPr>
         <p:spPr>
           <a:xfrm>
             <a:off x="504000" y="226080"/>
-            <a:ext cx="9071640" cy="946440"/>
+            <a:ext cx="9071280" cy="946080"/>
           </a:xfrm>
           <a:prstGeom prst="rect">
             <a:avLst/>
@@ -2062,12 +3580,22 @@
             <a:noFill/>
           </a:ln>
         </p:spPr>
+        <p:style>
+          <a:lnRef idx="0"/>
+          <a:fillRef idx="0"/>
+          <a:effectRef idx="0"/>
+          <a:fontRef idx="minor"/>
+        </p:style>
         <p:txBody>
           <a:bodyPr lIns="0" rIns="0" tIns="0" bIns="0" anchor="ctr">
             <a:noAutofit/>
           </a:bodyPr>
           <a:p>
-            <a:pPr algn="ctr"/>
+            <a:pPr algn="ctr">
+              <a:lnSpc>
+                <a:spcPct val="100000"/>
+              </a:lnSpc>
+            </a:pPr>
             <a:r>
               <a:rPr b="0" lang="en-US" sz="4400" spc="-1" strike="noStrike">
                 <a:latin typeface="Nimbus Sans"/>
@@ -2084,14 +3612,14 @@
         <mc:Choice xmlns:a14="http://schemas.microsoft.com/office/drawing/2010/main" Requires="a14">
           <p:sp>
             <p:nvSpPr>
-              <p:cNvPr id="63" name=""/>
+              <p:cNvPr id="98" name=""/>
               <p:cNvSpPr txBox="1"/>
               <p:nvPr/>
             </p:nvSpPr>
             <p:spPr>
               <a:xfrm>
                 <a:off x="3656520" y="2034000"/>
-                <a:ext cx="2058480" cy="1166400"/>
+                <a:ext cx="2058120" cy="1166040"/>
               </a:xfrm>
               <a:prstGeom prst="rect">
                 <a:avLst/>
@@ -2166,14 +3694,14 @@
       </mc:AlternateContent>
       <p:sp>
         <p:nvSpPr>
-          <p:cNvPr id="64" name=""/>
-          <p:cNvSpPr txBox="1"/>
+          <p:cNvPr id="99" name=""/>
+          <p:cNvSpPr/>
           <p:nvPr/>
         </p:nvSpPr>
         <p:spPr>
           <a:xfrm>
             <a:off x="5943960" y="4762440"/>
-            <a:ext cx="3886200" cy="495720"/>
+            <a:ext cx="3885840" cy="495360"/>
           </a:xfrm>
           <a:prstGeom prst="rect">
             <a:avLst/>
@@ -2183,11 +3711,22 @@
             <a:noFill/>
           </a:ln>
         </p:spPr>
+        <p:style>
+          <a:lnRef idx="0"/>
+          <a:fillRef idx="0"/>
+          <a:effectRef idx="0"/>
+          <a:fontRef idx="minor"/>
+        </p:style>
         <p:txBody>
           <a:bodyPr lIns="90000" rIns="90000" tIns="45000" bIns="45000">
             <a:noAutofit/>
           </a:bodyPr>
           <a:p>
+            <a:pPr>
+              <a:lnSpc>
+                <a:spcPct val="100000"/>
+              </a:lnSpc>
+            </a:pPr>
             <a:r>
               <a:rPr b="0" lang="en-US" sz="3200" spc="-1" strike="noStrike">
                 <a:latin typeface="Nimbus Sans"/>
@@ -2232,14 +3771,14 @@
       </p:grpSpPr>
       <p:sp>
         <p:nvSpPr>
-          <p:cNvPr id="65" name=""/>
-          <p:cNvSpPr txBox="1"/>
+          <p:cNvPr id="100" name=""/>
+          <p:cNvSpPr/>
           <p:nvPr/>
         </p:nvSpPr>
         <p:spPr>
           <a:xfrm>
             <a:off x="504720" y="253080"/>
-            <a:ext cx="9071640" cy="1119240"/>
+            <a:ext cx="9071280" cy="1118880"/>
           </a:xfrm>
           <a:prstGeom prst="rect">
             <a:avLst/>
@@ -2249,12 +3788,22 @@
             <a:noFill/>
           </a:ln>
         </p:spPr>
+        <p:style>
+          <a:lnRef idx="0"/>
+          <a:fillRef idx="0"/>
+          <a:effectRef idx="0"/>
+          <a:fontRef idx="minor"/>
+        </p:style>
         <p:txBody>
           <a:bodyPr lIns="0" rIns="0" tIns="0" bIns="0" anchor="ctr">
             <a:noAutofit/>
           </a:bodyPr>
           <a:p>
-            <a:pPr algn="ctr"/>
+            <a:pPr algn="ctr">
+              <a:lnSpc>
+                <a:spcPct val="100000"/>
+              </a:lnSpc>
+            </a:pPr>
             <a:r>
               <a:rPr b="0" lang="en-US" sz="4400" spc="-1" strike="noStrike">
                 <a:latin typeface="Nimbus Sans"/>
@@ -2276,14 +3825,14 @@
       </p:sp>
       <p:sp>
         <p:nvSpPr>
-          <p:cNvPr id="66" name=""/>
-          <p:cNvSpPr txBox="1"/>
+          <p:cNvPr id="101" name=""/>
+          <p:cNvSpPr/>
           <p:nvPr/>
         </p:nvSpPr>
         <p:spPr>
           <a:xfrm>
             <a:off x="504720" y="1600560"/>
-            <a:ext cx="9071640" cy="3288240"/>
+            <a:ext cx="9071280" cy="3287880"/>
           </a:xfrm>
           <a:prstGeom prst="rect">
             <a:avLst/>
@@ -2293,12 +3842,21 @@
             <a:noFill/>
           </a:ln>
         </p:spPr>
+        <p:style>
+          <a:lnRef idx="0"/>
+          <a:fillRef idx="0"/>
+          <a:effectRef idx="0"/>
+          <a:fontRef idx="minor"/>
+        </p:style>
         <p:txBody>
           <a:bodyPr lIns="0" rIns="0" tIns="0" bIns="0">
             <a:normAutofit/>
           </a:bodyPr>
           <a:p>
-            <a:pPr marL="432000" indent="-324000">
+            <a:pPr marL="432000" indent="-323640">
+              <a:lnSpc>
+                <a:spcPct val="100000"/>
+              </a:lnSpc>
               <a:spcBef>
                 <a:spcPts val="1417"/>
               </a:spcBef>
@@ -2321,7 +3879,10 @@
             </a:endParaRPr>
           </a:p>
           <a:p>
-            <a:pPr marL="432000" indent="-324000">
+            <a:pPr marL="432000" indent="-323640">
+              <a:lnSpc>
+                <a:spcPct val="100000"/>
+              </a:lnSpc>
               <a:spcBef>
                 <a:spcPts val="1417"/>
               </a:spcBef>
@@ -2344,7 +3905,10 @@
             </a:endParaRPr>
           </a:p>
           <a:p>
-            <a:pPr marL="432000" indent="-324000">
+            <a:pPr marL="432000" indent="-323640">
+              <a:lnSpc>
+                <a:spcPct val="100000"/>
+              </a:lnSpc>
               <a:spcBef>
                 <a:spcPts val="1417"/>
               </a:spcBef>
@@ -2381,7 +3945,10 @@
             </a:endParaRPr>
           </a:p>
           <a:p>
-            <a:pPr marL="432000" indent="-324000">
+            <a:pPr marL="432000" indent="-323640">
+              <a:lnSpc>
+                <a:spcPct val="100000"/>
+              </a:lnSpc>
               <a:spcBef>
                 <a:spcPts val="1417"/>
               </a:spcBef>
@@ -2404,7 +3971,10 @@
             </a:endParaRPr>
           </a:p>
           <a:p>
-            <a:pPr marL="432000" indent="-324000">
+            <a:pPr marL="432000" indent="-323640">
+              <a:lnSpc>
+                <a:spcPct val="100000"/>
+              </a:lnSpc>
               <a:spcBef>
                 <a:spcPts val="1417"/>
               </a:spcBef>
@@ -2460,7 +4030,7 @@
       </p:grpSpPr>
       <p:pic>
         <p:nvPicPr>
-          <p:cNvPr id="67" name="" descr=""/>
+          <p:cNvPr id="102" name="" descr=""/>
           <p:cNvPicPr/>
           <p:nvPr/>
         </p:nvPicPr>
@@ -2471,7 +4041,7 @@
         <p:spPr>
           <a:xfrm>
             <a:off x="-15840" y="457200"/>
-            <a:ext cx="10115280" cy="5029200"/>
+            <a:ext cx="10114920" cy="5028840"/>
           </a:xfrm>
           <a:prstGeom prst="rect">
             <a:avLst/>
@@ -2513,7 +4083,7 @@
       </p:grpSpPr>
       <p:pic>
         <p:nvPicPr>
-          <p:cNvPr id="68" name="" descr=""/>
+          <p:cNvPr id="103" name="" descr=""/>
           <p:cNvPicPr/>
           <p:nvPr/>
         </p:nvPicPr>
@@ -2524,7 +4094,7 @@
         <p:spPr>
           <a:xfrm>
             <a:off x="-15840" y="457200"/>
-            <a:ext cx="10115280" cy="5029200"/>
+            <a:ext cx="10114920" cy="5028840"/>
           </a:xfrm>
           <a:prstGeom prst="rect">
             <a:avLst/>
@@ -2566,14 +4136,14 @@
       </p:grpSpPr>
       <p:sp>
         <p:nvSpPr>
-          <p:cNvPr id="69" name=""/>
-          <p:cNvSpPr txBox="1"/>
+          <p:cNvPr id="104" name=""/>
+          <p:cNvSpPr/>
           <p:nvPr/>
         </p:nvSpPr>
         <p:spPr>
           <a:xfrm>
             <a:off x="505080" y="253440"/>
-            <a:ext cx="9071640" cy="1119240"/>
+            <a:ext cx="9071280" cy="1118880"/>
           </a:xfrm>
           <a:prstGeom prst="rect">
             <a:avLst/>
@@ -2583,12 +4153,22 @@
             <a:noFill/>
           </a:ln>
         </p:spPr>
+        <p:style>
+          <a:lnRef idx="0"/>
+          <a:fillRef idx="0"/>
+          <a:effectRef idx="0"/>
+          <a:fontRef idx="minor"/>
+        </p:style>
         <p:txBody>
           <a:bodyPr lIns="0" rIns="0" tIns="0" bIns="0" anchor="ctr">
             <a:noAutofit/>
           </a:bodyPr>
           <a:p>
-            <a:pPr algn="ctr"/>
+            <a:pPr algn="ctr">
+              <a:lnSpc>
+                <a:spcPct val="100000"/>
+              </a:lnSpc>
+            </a:pPr>
             <a:r>
               <a:rPr b="0" lang="en-US" sz="4400" spc="-1" strike="noStrike">
                 <a:latin typeface="Nimbus Sans"/>
@@ -2610,14 +4190,14 @@
       </p:sp>
       <p:sp>
         <p:nvSpPr>
-          <p:cNvPr id="70" name=""/>
-          <p:cNvSpPr txBox="1"/>
+          <p:cNvPr id="105" name=""/>
+          <p:cNvSpPr/>
           <p:nvPr/>
         </p:nvSpPr>
         <p:spPr>
           <a:xfrm>
             <a:off x="505080" y="1600920"/>
-            <a:ext cx="9071640" cy="3288240"/>
+            <a:ext cx="9071280" cy="3287880"/>
           </a:xfrm>
           <a:prstGeom prst="rect">
             <a:avLst/>
@@ -2627,12 +4207,21 @@
             <a:noFill/>
           </a:ln>
         </p:spPr>
+        <p:style>
+          <a:lnRef idx="0"/>
+          <a:fillRef idx="0"/>
+          <a:effectRef idx="0"/>
+          <a:fontRef idx="minor"/>
+        </p:style>
         <p:txBody>
           <a:bodyPr lIns="0" rIns="0" tIns="0" bIns="0">
             <a:normAutofit/>
           </a:bodyPr>
           <a:p>
-            <a:pPr marL="432000" indent="-324000">
+            <a:pPr marL="432000" indent="-323640">
+              <a:lnSpc>
+                <a:spcPct val="100000"/>
+              </a:lnSpc>
               <a:spcBef>
                 <a:spcPts val="1417"/>
               </a:spcBef>
@@ -2655,7 +4244,10 @@
             </a:endParaRPr>
           </a:p>
           <a:p>
-            <a:pPr marL="432000" indent="-324000">
+            <a:pPr marL="432000" indent="-323640">
+              <a:lnSpc>
+                <a:spcPct val="100000"/>
+              </a:lnSpc>
               <a:spcBef>
                 <a:spcPts val="1417"/>
               </a:spcBef>
@@ -2678,7 +4270,10 @@
             </a:endParaRPr>
           </a:p>
           <a:p>
-            <a:pPr marL="432000" indent="-324000">
+            <a:pPr marL="432000" indent="-323640">
+              <a:lnSpc>
+                <a:spcPct val="100000"/>
+              </a:lnSpc>
               <a:spcBef>
                 <a:spcPts val="1417"/>
               </a:spcBef>
@@ -2715,7 +4310,10 @@
             </a:endParaRPr>
           </a:p>
           <a:p>
-            <a:pPr marL="432000" indent="-324000">
+            <a:pPr marL="432000" indent="-323640">
+              <a:lnSpc>
+                <a:spcPct val="100000"/>
+              </a:lnSpc>
               <a:spcBef>
                 <a:spcPts val="1417"/>
               </a:spcBef>
@@ -2738,7 +4336,10 @@
             </a:endParaRPr>
           </a:p>
           <a:p>
-            <a:pPr marL="432000" indent="-324000">
+            <a:pPr marL="432000" indent="-323640">
+              <a:lnSpc>
+                <a:spcPct val="100000"/>
+              </a:lnSpc>
               <a:spcBef>
                 <a:spcPts val="1417"/>
               </a:spcBef>
@@ -2794,7 +4395,7 @@
       </p:grpSpPr>
       <p:pic>
         <p:nvPicPr>
-          <p:cNvPr id="71" name="" descr=""/>
+          <p:cNvPr id="106" name="" descr=""/>
           <p:cNvPicPr/>
           <p:nvPr/>
         </p:nvPicPr>
@@ -2805,7 +4406,7 @@
         <p:spPr>
           <a:xfrm>
             <a:off x="0" y="465120"/>
-            <a:ext cx="10099800" cy="5021280"/>
+            <a:ext cx="10099440" cy="5020920"/>
           </a:xfrm>
           <a:prstGeom prst="rect">
             <a:avLst/>
@@ -2847,7 +4448,7 @@
       </p:grpSpPr>
       <p:pic>
         <p:nvPicPr>
-          <p:cNvPr id="72" name="" descr=""/>
+          <p:cNvPr id="107" name="" descr=""/>
           <p:cNvPicPr/>
           <p:nvPr/>
         </p:nvPicPr>
@@ -2858,7 +4459,7 @@
         <p:spPr>
           <a:xfrm>
             <a:off x="0" y="465120"/>
-            <a:ext cx="10099800" cy="5021280"/>
+            <a:ext cx="10099440" cy="5020920"/>
           </a:xfrm>
           <a:prstGeom prst="rect">
             <a:avLst/>
@@ -2900,7 +4501,7 @@
       </p:grpSpPr>
       <p:pic>
         <p:nvPicPr>
-          <p:cNvPr id="43" name="" descr=""/>
+          <p:cNvPr id="78" name="" descr=""/>
           <p:cNvPicPr/>
           <p:nvPr/>
         </p:nvPicPr>
@@ -2911,7 +4512,7 @@
         <p:spPr>
           <a:xfrm>
             <a:off x="4318920" y="-204120"/>
-            <a:ext cx="5943600" cy="5943600"/>
+            <a:ext cx="5943240" cy="5943240"/>
           </a:xfrm>
           <a:prstGeom prst="rect">
             <a:avLst/>
@@ -2925,14 +4526,14 @@
         <mc:Choice xmlns:a14="http://schemas.microsoft.com/office/drawing/2010/main" Requires="a14">
           <p:sp>
             <p:nvSpPr>
-              <p:cNvPr id="44" name=""/>
+              <p:cNvPr id="79" name=""/>
               <p:cNvSpPr txBox="1"/>
               <p:nvPr/>
             </p:nvSpPr>
             <p:spPr>
               <a:xfrm>
                 <a:off x="457200" y="329040"/>
-                <a:ext cx="3127320" cy="585360"/>
+                <a:ext cx="3126960" cy="585000"/>
               </a:xfrm>
               <a:prstGeom prst="rect">
                 <a:avLst/>
@@ -2996,14 +4597,14 @@
         <mc:Choice xmlns:a14="http://schemas.microsoft.com/office/drawing/2010/main" Requires="a14">
           <p:sp>
             <p:nvSpPr>
-              <p:cNvPr id="45" name=""/>
+              <p:cNvPr id="80" name=""/>
               <p:cNvSpPr txBox="1"/>
               <p:nvPr/>
             </p:nvSpPr>
             <p:spPr>
               <a:xfrm>
                 <a:off x="414720" y="1505520"/>
-                <a:ext cx="3115800" cy="961560"/>
+                <a:ext cx="3115440" cy="961200"/>
               </a:xfrm>
               <a:prstGeom prst="rect">
                 <a:avLst/>
@@ -3089,7 +4690,7 @@
       </mc:AlternateContent>
       <p:pic>
         <p:nvPicPr>
-          <p:cNvPr id="46" name="" descr=""/>
+          <p:cNvPr id="81" name="" descr=""/>
           <p:cNvPicPr/>
           <p:nvPr/>
         </p:nvPicPr>
@@ -3100,7 +4701,7 @@
         <p:spPr>
           <a:xfrm>
             <a:off x="914400" y="2426400"/>
-            <a:ext cx="2796840" cy="3060000"/>
+            <a:ext cx="2796480" cy="3059640"/>
           </a:xfrm>
           <a:prstGeom prst="rect">
             <a:avLst/>
@@ -3142,7 +4743,7 @@
       </p:grpSpPr>
       <p:pic>
         <p:nvPicPr>
-          <p:cNvPr id="73" name="" descr=""/>
+          <p:cNvPr id="108" name="" descr=""/>
           <p:cNvPicPr/>
           <p:nvPr/>
         </p:nvPicPr>
@@ -3153,7 +4754,7 @@
         <p:spPr>
           <a:xfrm>
             <a:off x="0" y="465120"/>
-            <a:ext cx="10099800" cy="5021280"/>
+            <a:ext cx="10099440" cy="5020920"/>
           </a:xfrm>
           <a:prstGeom prst="rect">
             <a:avLst/>
@@ -3195,7 +4796,7 @@
       </p:grpSpPr>
       <p:pic>
         <p:nvPicPr>
-          <p:cNvPr id="74" name="" descr=""/>
+          <p:cNvPr id="109" name="" descr=""/>
           <p:cNvPicPr/>
           <p:nvPr/>
         </p:nvPicPr>
@@ -3206,7 +4807,7 @@
         <p:spPr>
           <a:xfrm>
             <a:off x="0" y="465120"/>
-            <a:ext cx="10099800" cy="5021280"/>
+            <a:ext cx="10099440" cy="5020920"/>
           </a:xfrm>
           <a:prstGeom prst="rect">
             <a:avLst/>
@@ -3248,14 +4849,14 @@
       </p:grpSpPr>
       <p:sp>
         <p:nvSpPr>
-          <p:cNvPr id="75" name=""/>
-          <p:cNvSpPr txBox="1"/>
+          <p:cNvPr id="110" name=""/>
+          <p:cNvSpPr/>
           <p:nvPr/>
         </p:nvSpPr>
         <p:spPr>
           <a:xfrm>
             <a:off x="505440" y="253800"/>
-            <a:ext cx="9071640" cy="1119240"/>
+            <a:ext cx="9071280" cy="1118880"/>
           </a:xfrm>
           <a:prstGeom prst="rect">
             <a:avLst/>
@@ -3265,12 +4866,22 @@
             <a:noFill/>
           </a:ln>
         </p:spPr>
+        <p:style>
+          <a:lnRef idx="0"/>
+          <a:fillRef idx="0"/>
+          <a:effectRef idx="0"/>
+          <a:fontRef idx="minor"/>
+        </p:style>
         <p:txBody>
           <a:bodyPr lIns="0" rIns="0" tIns="0" bIns="0" anchor="ctr">
             <a:noAutofit/>
           </a:bodyPr>
           <a:p>
-            <a:pPr algn="ctr"/>
+            <a:pPr algn="ctr">
+              <a:lnSpc>
+                <a:spcPct val="100000"/>
+              </a:lnSpc>
+            </a:pPr>
             <a:r>
               <a:rPr b="0" lang="en-US" sz="4400" spc="-1" strike="noStrike">
                 <a:latin typeface="Nimbus Sans"/>
@@ -3292,14 +4903,14 @@
       </p:sp>
       <p:sp>
         <p:nvSpPr>
-          <p:cNvPr id="76" name=""/>
-          <p:cNvSpPr txBox="1"/>
+          <p:cNvPr id="111" name=""/>
+          <p:cNvSpPr/>
           <p:nvPr/>
         </p:nvSpPr>
         <p:spPr>
           <a:xfrm>
             <a:off x="505440" y="1601280"/>
-            <a:ext cx="9071640" cy="3288240"/>
+            <a:ext cx="9071280" cy="3287880"/>
           </a:xfrm>
           <a:prstGeom prst="rect">
             <a:avLst/>
@@ -3309,12 +4920,21 @@
             <a:noFill/>
           </a:ln>
         </p:spPr>
+        <p:style>
+          <a:lnRef idx="0"/>
+          <a:fillRef idx="0"/>
+          <a:effectRef idx="0"/>
+          <a:fontRef idx="minor"/>
+        </p:style>
         <p:txBody>
           <a:bodyPr lIns="0" rIns="0" tIns="0" bIns="0">
             <a:normAutofit/>
           </a:bodyPr>
           <a:p>
-            <a:pPr marL="432000" indent="-324000">
+            <a:pPr marL="432000" indent="-323640">
+              <a:lnSpc>
+                <a:spcPct val="100000"/>
+              </a:lnSpc>
               <a:spcBef>
                 <a:spcPts val="1417"/>
               </a:spcBef>
@@ -3337,7 +4957,10 @@
             </a:endParaRPr>
           </a:p>
           <a:p>
-            <a:pPr marL="432000" indent="-324000">
+            <a:pPr marL="432000" indent="-323640">
+              <a:lnSpc>
+                <a:spcPct val="100000"/>
+              </a:lnSpc>
               <a:spcBef>
                 <a:spcPts val="1417"/>
               </a:spcBef>
@@ -3360,7 +4983,10 @@
             </a:endParaRPr>
           </a:p>
           <a:p>
-            <a:pPr marL="432000" indent="-324000">
+            <a:pPr marL="432000" indent="-323640">
+              <a:lnSpc>
+                <a:spcPct val="100000"/>
+              </a:lnSpc>
               <a:spcBef>
                 <a:spcPts val="1417"/>
               </a:spcBef>
@@ -3397,7 +5023,10 @@
             </a:endParaRPr>
           </a:p>
           <a:p>
-            <a:pPr marL="432000" indent="-324000">
+            <a:pPr marL="432000" indent="-323640">
+              <a:lnSpc>
+                <a:spcPct val="100000"/>
+              </a:lnSpc>
               <a:spcBef>
                 <a:spcPts val="1417"/>
               </a:spcBef>
@@ -3420,7 +5049,10 @@
             </a:endParaRPr>
           </a:p>
           <a:p>
-            <a:pPr marL="432000" indent="-324000">
+            <a:pPr marL="432000" indent="-323640">
+              <a:lnSpc>
+                <a:spcPct val="100000"/>
+              </a:lnSpc>
               <a:spcBef>
                 <a:spcPts val="1417"/>
               </a:spcBef>
@@ -3476,7 +5108,7 @@
       </p:grpSpPr>
       <p:pic>
         <p:nvPicPr>
-          <p:cNvPr id="77" name="" descr=""/>
+          <p:cNvPr id="112" name="" descr=""/>
           <p:cNvPicPr/>
           <p:nvPr/>
         </p:nvPicPr>
@@ -3487,7 +5119,7 @@
         <p:spPr>
           <a:xfrm>
             <a:off x="-15840" y="457200"/>
-            <a:ext cx="10115280" cy="5029200"/>
+            <a:ext cx="10114920" cy="5028840"/>
           </a:xfrm>
           <a:prstGeom prst="rect">
             <a:avLst/>
@@ -3529,14 +5161,14 @@
       </p:grpSpPr>
       <p:sp>
         <p:nvSpPr>
-          <p:cNvPr id="78" name=""/>
-          <p:cNvSpPr txBox="1"/>
+          <p:cNvPr id="113" name=""/>
+          <p:cNvSpPr/>
           <p:nvPr/>
         </p:nvSpPr>
         <p:spPr>
           <a:xfrm>
             <a:off x="505800" y="254160"/>
-            <a:ext cx="9071640" cy="1119240"/>
+            <a:ext cx="9071280" cy="1118880"/>
           </a:xfrm>
           <a:prstGeom prst="rect">
             <a:avLst/>
@@ -3546,12 +5178,22 @@
             <a:noFill/>
           </a:ln>
         </p:spPr>
+        <p:style>
+          <a:lnRef idx="0"/>
+          <a:fillRef idx="0"/>
+          <a:effectRef idx="0"/>
+          <a:fontRef idx="minor"/>
+        </p:style>
         <p:txBody>
           <a:bodyPr lIns="0" rIns="0" tIns="0" bIns="0" anchor="ctr">
             <a:noAutofit/>
           </a:bodyPr>
           <a:p>
-            <a:pPr algn="ctr"/>
+            <a:pPr algn="ctr">
+              <a:lnSpc>
+                <a:spcPct val="100000"/>
+              </a:lnSpc>
+            </a:pPr>
             <a:r>
               <a:rPr b="0" lang="en-US" sz="4400" spc="-1" strike="noStrike">
                 <a:latin typeface="Nimbus Sans"/>
@@ -3573,14 +5215,14 @@
       </p:sp>
       <p:sp>
         <p:nvSpPr>
-          <p:cNvPr id="79" name=""/>
-          <p:cNvSpPr txBox="1"/>
+          <p:cNvPr id="114" name=""/>
+          <p:cNvSpPr/>
           <p:nvPr/>
         </p:nvSpPr>
         <p:spPr>
           <a:xfrm>
             <a:off x="505800" y="1601640"/>
-            <a:ext cx="9071640" cy="3288240"/>
+            <a:ext cx="9071280" cy="3287880"/>
           </a:xfrm>
           <a:prstGeom prst="rect">
             <a:avLst/>
@@ -3590,12 +5232,21 @@
             <a:noFill/>
           </a:ln>
         </p:spPr>
+        <p:style>
+          <a:lnRef idx="0"/>
+          <a:fillRef idx="0"/>
+          <a:effectRef idx="0"/>
+          <a:fontRef idx="minor"/>
+        </p:style>
         <p:txBody>
           <a:bodyPr lIns="0" rIns="0" tIns="0" bIns="0">
             <a:normAutofit/>
           </a:bodyPr>
           <a:p>
-            <a:pPr marL="432000" indent="-324000">
+            <a:pPr marL="432000" indent="-323640">
+              <a:lnSpc>
+                <a:spcPct val="100000"/>
+              </a:lnSpc>
               <a:spcBef>
                 <a:spcPts val="1417"/>
               </a:spcBef>
@@ -3618,7 +5269,10 @@
             </a:endParaRPr>
           </a:p>
           <a:p>
-            <a:pPr marL="432000" indent="-324000">
+            <a:pPr marL="432000" indent="-323640">
+              <a:lnSpc>
+                <a:spcPct val="100000"/>
+              </a:lnSpc>
               <a:spcBef>
                 <a:spcPts val="1417"/>
               </a:spcBef>
@@ -3641,7 +5295,10 @@
             </a:endParaRPr>
           </a:p>
           <a:p>
-            <a:pPr marL="432000" indent="-324000">
+            <a:pPr marL="432000" indent="-323640">
+              <a:lnSpc>
+                <a:spcPct val="100000"/>
+              </a:lnSpc>
               <a:spcBef>
                 <a:spcPts val="1417"/>
               </a:spcBef>
@@ -3678,7 +5335,10 @@
             </a:endParaRPr>
           </a:p>
           <a:p>
-            <a:pPr marL="432000" indent="-324000">
+            <a:pPr marL="432000" indent="-323640">
+              <a:lnSpc>
+                <a:spcPct val="100000"/>
+              </a:lnSpc>
               <a:spcBef>
                 <a:spcPts val="1417"/>
               </a:spcBef>
@@ -3701,7 +5361,10 @@
             </a:endParaRPr>
           </a:p>
           <a:p>
-            <a:pPr marL="432000" indent="-324000">
+            <a:pPr marL="432000" indent="-323640">
+              <a:lnSpc>
+                <a:spcPct val="100000"/>
+              </a:lnSpc>
               <a:spcBef>
                 <a:spcPts val="1417"/>
               </a:spcBef>
@@ -3757,14 +5420,14 @@
       </p:grpSpPr>
       <p:sp>
         <p:nvSpPr>
-          <p:cNvPr id="80" name=""/>
-          <p:cNvSpPr txBox="1"/>
+          <p:cNvPr id="115" name=""/>
+          <p:cNvSpPr/>
           <p:nvPr/>
         </p:nvSpPr>
         <p:spPr>
           <a:xfrm>
             <a:off x="504000" y="226080"/>
-            <a:ext cx="9071640" cy="946440"/>
+            <a:ext cx="9071280" cy="946080"/>
           </a:xfrm>
           <a:prstGeom prst="rect">
             <a:avLst/>
@@ -3774,12 +5437,22 @@
             <a:noFill/>
           </a:ln>
         </p:spPr>
+        <p:style>
+          <a:lnRef idx="0"/>
+          <a:fillRef idx="0"/>
+          <a:effectRef idx="0"/>
+          <a:fontRef idx="minor"/>
+        </p:style>
         <p:txBody>
           <a:bodyPr lIns="0" rIns="0" tIns="0" bIns="0" anchor="ctr">
             <a:noAutofit/>
           </a:bodyPr>
           <a:p>
-            <a:pPr algn="ctr"/>
+            <a:pPr algn="ctr">
+              <a:lnSpc>
+                <a:spcPct val="100000"/>
+              </a:lnSpc>
+            </a:pPr>
             <a:r>
               <a:rPr b="0" lang="en-US" sz="4400" spc="-1" strike="noStrike">
                 <a:latin typeface="Nimbus Sans"/>
@@ -3794,14 +5467,14 @@
       </p:sp>
       <p:sp>
         <p:nvSpPr>
-          <p:cNvPr id="81" name=""/>
-          <p:cNvSpPr txBox="1"/>
+          <p:cNvPr id="116" name=""/>
+          <p:cNvSpPr/>
           <p:nvPr/>
         </p:nvSpPr>
         <p:spPr>
           <a:xfrm>
             <a:off x="504000" y="1326600"/>
-            <a:ext cx="9071640" cy="3288240"/>
+            <a:ext cx="9071280" cy="3287880"/>
           </a:xfrm>
           <a:prstGeom prst="rect">
             <a:avLst/>
@@ -3811,12 +5484,21 @@
             <a:noFill/>
           </a:ln>
         </p:spPr>
+        <p:style>
+          <a:lnRef idx="0"/>
+          <a:fillRef idx="0"/>
+          <a:effectRef idx="0"/>
+          <a:fontRef idx="minor"/>
+        </p:style>
         <p:txBody>
           <a:bodyPr lIns="0" rIns="0" tIns="0" bIns="0">
             <a:normAutofit/>
           </a:bodyPr>
           <a:p>
-            <a:pPr marL="432000" indent="-324000">
+            <a:pPr marL="432000" indent="-323640">
+              <a:lnSpc>
+                <a:spcPct val="100000"/>
+              </a:lnSpc>
               <a:spcBef>
                 <a:spcPts val="1417"/>
               </a:spcBef>
@@ -3838,21 +5520,17 @@
                 <a:latin typeface="Nimbus Sans"/>
                 <a:ea typeface="Nimbus Sans"/>
               </a:rPr>
-              <a:t>≡ </a:t>
-            </a:r>
-            <a:r>
-              <a:rPr b="0" lang="en-US" sz="3200" spc="-1" strike="noStrike">
-                <a:latin typeface="Nimbus Sans"/>
-                <a:ea typeface="Nimbus Sans"/>
-              </a:rPr>
-              <a:t>1</a:t>
-            </a:r>
-            <a:endParaRPr b="0" lang="en-US" sz="3200" spc="-1" strike="noStrike">
-              <a:latin typeface="Nimbus Sans"/>
-            </a:endParaRPr>
-          </a:p>
-          <a:p>
-            <a:pPr marL="432000" indent="-324000">
+              <a:t>≡ 1</a:t>
+            </a:r>
+            <a:endParaRPr b="0" lang="en-US" sz="3200" spc="-1" strike="noStrike">
+              <a:latin typeface="Nimbus Sans"/>
+            </a:endParaRPr>
+          </a:p>
+          <a:p>
+            <a:pPr marL="432000" indent="-323640">
+              <a:lnSpc>
+                <a:spcPct val="100000"/>
+              </a:lnSpc>
               <a:spcBef>
                 <a:spcPts val="1417"/>
               </a:spcBef>
@@ -3868,28 +5546,17 @@
                 <a:latin typeface="Nimbus Sans"/>
                 <a:ea typeface="Nimbus Sans"/>
               </a:rPr>
-              <a:t>остальное </a:t>
-            </a:r>
-            <a:r>
-              <a:rPr b="0" lang="en-US" sz="3200" spc="-1" strike="noStrike">
-                <a:latin typeface="Nimbus Sans"/>
-                <a:ea typeface="Nimbus Sans"/>
-              </a:rPr>
-              <a:t>≡ </a:t>
-            </a:r>
-            <a:r>
-              <a:rPr b="0" lang="en-US" sz="3200" spc="-1" strike="noStrike">
-                <a:latin typeface="Nimbus Sans"/>
-                <a:ea typeface="Nimbus Sans"/>
-              </a:rPr>
-              <a:t>0</a:t>
-            </a:r>
-            <a:endParaRPr b="0" lang="en-US" sz="3200" spc="-1" strike="noStrike">
-              <a:latin typeface="Nimbus Sans"/>
-            </a:endParaRPr>
-          </a:p>
-          <a:p>
-            <a:pPr marL="432000" indent="-324000">
+              <a:t>остальное ≡ 0</a:t>
+            </a:r>
+            <a:endParaRPr b="0" lang="en-US" sz="3200" spc="-1" strike="noStrike">
+              <a:latin typeface="Nimbus Sans"/>
+            </a:endParaRPr>
+          </a:p>
+          <a:p>
+            <a:pPr marL="432000" indent="-323640">
+              <a:lnSpc>
+                <a:spcPct val="100000"/>
+              </a:lnSpc>
               <a:spcBef>
                 <a:spcPts val="1417"/>
               </a:spcBef>
@@ -3945,7 +5612,7 @@
       </p:grpSpPr>
       <p:pic>
         <p:nvPicPr>
-          <p:cNvPr id="82" name="" descr=""/>
+          <p:cNvPr id="117" name="" descr=""/>
           <p:cNvPicPr/>
           <p:nvPr/>
         </p:nvPicPr>
@@ -3956,7 +5623,7 @@
         <p:spPr>
           <a:xfrm>
             <a:off x="52920" y="351720"/>
-            <a:ext cx="10079640" cy="5011200"/>
+            <a:ext cx="10079280" cy="5010840"/>
           </a:xfrm>
           <a:prstGeom prst="rect">
             <a:avLst/>
@@ -3998,7 +5665,7 @@
       </p:grpSpPr>
       <p:pic>
         <p:nvPicPr>
-          <p:cNvPr id="83" name="" descr=""/>
+          <p:cNvPr id="118" name="" descr=""/>
           <p:cNvPicPr/>
           <p:nvPr/>
         </p:nvPicPr>
@@ -4009,7 +5676,7 @@
         <p:spPr>
           <a:xfrm>
             <a:off x="52920" y="351720"/>
-            <a:ext cx="10079640" cy="5011200"/>
+            <a:ext cx="10079280" cy="5010840"/>
           </a:xfrm>
           <a:prstGeom prst="rect">
             <a:avLst/>
@@ -4051,7 +5718,7 @@
       </p:grpSpPr>
       <p:pic>
         <p:nvPicPr>
-          <p:cNvPr id="84" name="" descr=""/>
+          <p:cNvPr id="119" name="" descr=""/>
           <p:cNvPicPr/>
           <p:nvPr/>
         </p:nvPicPr>
@@ -4062,7 +5729,7 @@
         <p:spPr>
           <a:xfrm>
             <a:off x="52920" y="351720"/>
-            <a:ext cx="10079640" cy="5011200"/>
+            <a:ext cx="10079280" cy="5010840"/>
           </a:xfrm>
           <a:prstGeom prst="rect">
             <a:avLst/>
@@ -4104,7 +5771,7 @@
       </p:grpSpPr>
       <p:pic>
         <p:nvPicPr>
-          <p:cNvPr id="85" name="" descr=""/>
+          <p:cNvPr id="120" name="" descr=""/>
           <p:cNvPicPr/>
           <p:nvPr/>
         </p:nvPicPr>
@@ -4115,7 +5782,7 @@
         <p:spPr>
           <a:xfrm>
             <a:off x="52920" y="351720"/>
-            <a:ext cx="10079640" cy="5011200"/>
+            <a:ext cx="10079280" cy="5010840"/>
           </a:xfrm>
           <a:prstGeom prst="rect">
             <a:avLst/>
@@ -4157,14 +5824,14 @@
       </p:grpSpPr>
       <p:sp>
         <p:nvSpPr>
-          <p:cNvPr id="47" name=""/>
-          <p:cNvSpPr txBox="1"/>
+          <p:cNvPr id="82" name=""/>
+          <p:cNvSpPr/>
           <p:nvPr/>
         </p:nvSpPr>
         <p:spPr>
           <a:xfrm>
             <a:off x="504000" y="226080"/>
-            <a:ext cx="9071640" cy="946440"/>
+            <a:ext cx="9071280" cy="946080"/>
           </a:xfrm>
           <a:prstGeom prst="rect">
             <a:avLst/>
@@ -4174,12 +5841,22 @@
             <a:noFill/>
           </a:ln>
         </p:spPr>
+        <p:style>
+          <a:lnRef idx="0"/>
+          <a:fillRef idx="0"/>
+          <a:effectRef idx="0"/>
+          <a:fontRef idx="minor"/>
+        </p:style>
         <p:txBody>
           <a:bodyPr lIns="0" rIns="0" tIns="0" bIns="0" anchor="ctr">
             <a:noAutofit/>
           </a:bodyPr>
           <a:p>
-            <a:pPr algn="ctr"/>
+            <a:pPr algn="ctr">
+              <a:lnSpc>
+                <a:spcPct val="100000"/>
+              </a:lnSpc>
+            </a:pPr>
             <a:r>
               <a:rPr b="0" lang="en-US" sz="4400" spc="-1" strike="noStrike">
                 <a:latin typeface="Nimbus Sans"/>
@@ -4194,14 +5871,14 @@
       </p:sp>
       <p:sp>
         <p:nvSpPr>
-          <p:cNvPr id="48" name=""/>
-          <p:cNvSpPr txBox="1"/>
+          <p:cNvPr id="83" name=""/>
+          <p:cNvSpPr/>
           <p:nvPr/>
         </p:nvSpPr>
         <p:spPr>
           <a:xfrm>
             <a:off x="504000" y="1326600"/>
-            <a:ext cx="9071640" cy="3288240"/>
+            <a:ext cx="9071280" cy="3287880"/>
           </a:xfrm>
           <a:prstGeom prst="rect">
             <a:avLst/>
@@ -4211,12 +5888,21 @@
             <a:noFill/>
           </a:ln>
         </p:spPr>
+        <p:style>
+          <a:lnRef idx="0"/>
+          <a:fillRef idx="0"/>
+          <a:effectRef idx="0"/>
+          <a:fontRef idx="minor"/>
+        </p:style>
         <p:txBody>
           <a:bodyPr lIns="0" rIns="0" tIns="0" bIns="0">
             <a:normAutofit/>
           </a:bodyPr>
           <a:p>
-            <a:pPr marL="432000" indent="-324000">
+            <a:pPr marL="432000" indent="-323640">
+              <a:lnSpc>
+                <a:spcPct val="100000"/>
+              </a:lnSpc>
               <a:spcBef>
                 <a:spcPts val="1417"/>
               </a:spcBef>
@@ -4238,7 +5924,10 @@
             </a:endParaRPr>
           </a:p>
           <a:p>
-            <a:pPr marL="432000" indent="-324000">
+            <a:pPr marL="432000" indent="-323640">
+              <a:lnSpc>
+                <a:spcPct val="100000"/>
+              </a:lnSpc>
               <a:spcBef>
                 <a:spcPts val="1417"/>
               </a:spcBef>
@@ -4260,7 +5949,10 @@
             </a:endParaRPr>
           </a:p>
           <a:p>
-            <a:pPr marL="432000" indent="-324000">
+            <a:pPr marL="432000" indent="-323640">
+              <a:lnSpc>
+                <a:spcPct val="100000"/>
+              </a:lnSpc>
               <a:spcBef>
                 <a:spcPts val="1417"/>
               </a:spcBef>
@@ -4322,7 +6014,7 @@
       </p:grpSpPr>
       <p:pic>
         <p:nvPicPr>
-          <p:cNvPr id="86" name="" descr=""/>
+          <p:cNvPr id="121" name="" descr=""/>
           <p:cNvPicPr/>
           <p:nvPr/>
         </p:nvPicPr>
@@ -4333,7 +6025,7 @@
         <p:spPr>
           <a:xfrm>
             <a:off x="52920" y="351720"/>
-            <a:ext cx="10079640" cy="5011200"/>
+            <a:ext cx="10079280" cy="5010840"/>
           </a:xfrm>
           <a:prstGeom prst="rect">
             <a:avLst/>
@@ -4375,7 +6067,7 @@
       </p:grpSpPr>
       <p:pic>
         <p:nvPicPr>
-          <p:cNvPr id="87" name="" descr=""/>
+          <p:cNvPr id="122" name="" descr=""/>
           <p:cNvPicPr/>
           <p:nvPr/>
         </p:nvPicPr>
@@ -4386,7 +6078,7 @@
         <p:spPr>
           <a:xfrm>
             <a:off x="52920" y="351720"/>
-            <a:ext cx="10079640" cy="5011200"/>
+            <a:ext cx="10079280" cy="5010840"/>
           </a:xfrm>
           <a:prstGeom prst="rect">
             <a:avLst/>
@@ -4428,7 +6120,7 @@
       </p:grpSpPr>
       <p:pic>
         <p:nvPicPr>
-          <p:cNvPr id="88" name="" descr=""/>
+          <p:cNvPr id="123" name="" descr=""/>
           <p:cNvPicPr/>
           <p:nvPr/>
         </p:nvPicPr>
@@ -4439,7 +6131,7 @@
         <p:spPr>
           <a:xfrm>
             <a:off x="52920" y="351720"/>
-            <a:ext cx="10079640" cy="5011200"/>
+            <a:ext cx="10079280" cy="5010840"/>
           </a:xfrm>
           <a:prstGeom prst="rect">
             <a:avLst/>
@@ -4481,7 +6173,7 @@
       </p:grpSpPr>
       <p:pic>
         <p:nvPicPr>
-          <p:cNvPr id="89" name="" descr=""/>
+          <p:cNvPr id="124" name="" descr=""/>
           <p:cNvPicPr/>
           <p:nvPr/>
         </p:nvPicPr>
@@ -4492,7 +6184,7 @@
         <p:spPr>
           <a:xfrm>
             <a:off x="52920" y="351720"/>
-            <a:ext cx="10079640" cy="5011200"/>
+            <a:ext cx="10079280" cy="5010840"/>
           </a:xfrm>
           <a:prstGeom prst="rect">
             <a:avLst/>
@@ -4534,14 +6226,14 @@
       </p:grpSpPr>
       <p:sp>
         <p:nvSpPr>
-          <p:cNvPr id="49" name=""/>
-          <p:cNvSpPr txBox="1"/>
+          <p:cNvPr id="84" name=""/>
+          <p:cNvSpPr/>
           <p:nvPr/>
         </p:nvSpPr>
         <p:spPr>
           <a:xfrm>
             <a:off x="504000" y="226080"/>
-            <a:ext cx="9071640" cy="946440"/>
+            <a:ext cx="9071280" cy="946080"/>
           </a:xfrm>
           <a:prstGeom prst="rect">
             <a:avLst/>
@@ -4551,12 +6243,22 @@
             <a:noFill/>
           </a:ln>
         </p:spPr>
+        <p:style>
+          <a:lnRef idx="0"/>
+          <a:fillRef idx="0"/>
+          <a:effectRef idx="0"/>
+          <a:fontRef idx="minor"/>
+        </p:style>
         <p:txBody>
           <a:bodyPr lIns="0" rIns="0" tIns="0" bIns="0" anchor="ctr">
             <a:noAutofit/>
           </a:bodyPr>
           <a:p>
-            <a:pPr algn="ctr"/>
+            <a:pPr algn="ctr">
+              <a:lnSpc>
+                <a:spcPct val="100000"/>
+              </a:lnSpc>
+            </a:pPr>
             <a:r>
               <a:rPr b="0" lang="en-US" sz="4400" spc="-1" strike="noStrike">
                 <a:latin typeface="Nimbus Sans"/>
@@ -4573,14 +6275,14 @@
         <mc:Choice xmlns:a14="http://schemas.microsoft.com/office/drawing/2010/main" Requires="a14">
           <p:sp>
             <p:nvSpPr>
-              <p:cNvPr id="50" name=""/>
+              <p:cNvPr id="85" name=""/>
               <p:cNvSpPr txBox="1"/>
               <p:nvPr/>
             </p:nvSpPr>
             <p:spPr>
               <a:xfrm>
                 <a:off x="3200400" y="2057400"/>
-                <a:ext cx="3532680" cy="1022760"/>
+                <a:ext cx="3532320" cy="1022400"/>
               </a:xfrm>
               <a:prstGeom prst="rect">
                 <a:avLst/>
@@ -4675,14 +6377,14 @@
       </mc:AlternateContent>
       <p:sp>
         <p:nvSpPr>
-          <p:cNvPr id="51" name=""/>
-          <p:cNvSpPr txBox="1"/>
+          <p:cNvPr id="86" name=""/>
+          <p:cNvSpPr/>
           <p:nvPr/>
         </p:nvSpPr>
         <p:spPr>
           <a:xfrm>
             <a:off x="5943600" y="4762080"/>
-            <a:ext cx="3886200" cy="495720"/>
+            <a:ext cx="3885840" cy="495360"/>
           </a:xfrm>
           <a:prstGeom prst="rect">
             <a:avLst/>
@@ -4692,11 +6394,22 @@
             <a:noFill/>
           </a:ln>
         </p:spPr>
+        <p:style>
+          <a:lnRef idx="0"/>
+          <a:fillRef idx="0"/>
+          <a:effectRef idx="0"/>
+          <a:fontRef idx="minor"/>
+        </p:style>
         <p:txBody>
           <a:bodyPr lIns="90000" rIns="90000" tIns="45000" bIns="45000">
             <a:noAutofit/>
           </a:bodyPr>
           <a:p>
+            <a:pPr>
+              <a:lnSpc>
+                <a:spcPct val="100000"/>
+              </a:lnSpc>
+            </a:pPr>
             <a:r>
               <a:rPr b="0" lang="en-US" sz="3200" spc="-1" strike="noStrike">
                 <a:latin typeface="Nimbus Sans"/>
@@ -4741,14 +6454,14 @@
       </p:grpSpPr>
       <p:sp>
         <p:nvSpPr>
-          <p:cNvPr id="52" name=""/>
-          <p:cNvSpPr txBox="1"/>
+          <p:cNvPr id="87" name=""/>
+          <p:cNvSpPr/>
           <p:nvPr/>
         </p:nvSpPr>
         <p:spPr>
           <a:xfrm>
             <a:off x="504000" y="252360"/>
-            <a:ext cx="9071640" cy="1119240"/>
+            <a:ext cx="9071280" cy="1118880"/>
           </a:xfrm>
           <a:prstGeom prst="rect">
             <a:avLst/>
@@ -4758,12 +6471,22 @@
             <a:noFill/>
           </a:ln>
         </p:spPr>
+        <p:style>
+          <a:lnRef idx="0"/>
+          <a:fillRef idx="0"/>
+          <a:effectRef idx="0"/>
+          <a:fontRef idx="minor"/>
+        </p:style>
         <p:txBody>
           <a:bodyPr lIns="0" rIns="0" tIns="0" bIns="0" anchor="ctr">
             <a:noAutofit/>
           </a:bodyPr>
           <a:p>
-            <a:pPr algn="ctr"/>
+            <a:pPr algn="ctr">
+              <a:lnSpc>
+                <a:spcPct val="100000"/>
+              </a:lnSpc>
+            </a:pPr>
             <a:r>
               <a:rPr b="0" lang="en-US" sz="4400" spc="-1" strike="noStrike">
                 <a:latin typeface="Nimbus Sans"/>
@@ -4785,14 +6508,14 @@
       </p:sp>
       <p:sp>
         <p:nvSpPr>
-          <p:cNvPr id="53" name=""/>
-          <p:cNvSpPr txBox="1"/>
+          <p:cNvPr id="88" name=""/>
+          <p:cNvSpPr/>
           <p:nvPr/>
         </p:nvSpPr>
         <p:spPr>
           <a:xfrm>
             <a:off x="504000" y="1600200"/>
-            <a:ext cx="9071640" cy="3288240"/>
+            <a:ext cx="9071280" cy="3287880"/>
           </a:xfrm>
           <a:prstGeom prst="rect">
             <a:avLst/>
@@ -4802,12 +6525,21 @@
             <a:noFill/>
           </a:ln>
         </p:spPr>
+        <p:style>
+          <a:lnRef idx="0"/>
+          <a:fillRef idx="0"/>
+          <a:effectRef idx="0"/>
+          <a:fontRef idx="minor"/>
+        </p:style>
         <p:txBody>
           <a:bodyPr lIns="0" rIns="0" tIns="0" bIns="0">
             <a:normAutofit/>
           </a:bodyPr>
           <a:p>
-            <a:pPr marL="432000" indent="-324000">
+            <a:pPr marL="432000" indent="-323640">
+              <a:lnSpc>
+                <a:spcPct val="100000"/>
+              </a:lnSpc>
               <a:spcBef>
                 <a:spcPts val="1417"/>
               </a:spcBef>
@@ -4830,7 +6562,10 @@
             </a:endParaRPr>
           </a:p>
           <a:p>
-            <a:pPr marL="432000" indent="-324000">
+            <a:pPr marL="432000" indent="-323640">
+              <a:lnSpc>
+                <a:spcPct val="100000"/>
+              </a:lnSpc>
               <a:spcBef>
                 <a:spcPts val="1417"/>
               </a:spcBef>
@@ -4853,7 +6588,10 @@
             </a:endParaRPr>
           </a:p>
           <a:p>
-            <a:pPr marL="432000" indent="-324000">
+            <a:pPr marL="432000" indent="-323640">
+              <a:lnSpc>
+                <a:spcPct val="100000"/>
+              </a:lnSpc>
               <a:spcBef>
                 <a:spcPts val="1417"/>
               </a:spcBef>
@@ -4890,7 +6628,10 @@
             </a:endParaRPr>
           </a:p>
           <a:p>
-            <a:pPr marL="432000" indent="-324000">
+            <a:pPr marL="432000" indent="-323640">
+              <a:lnSpc>
+                <a:spcPct val="100000"/>
+              </a:lnSpc>
               <a:spcBef>
                 <a:spcPts val="1417"/>
               </a:spcBef>
@@ -4913,7 +6654,10 @@
             </a:endParaRPr>
           </a:p>
           <a:p>
-            <a:pPr marL="432000" indent="-324000">
+            <a:pPr marL="432000" indent="-323640">
+              <a:lnSpc>
+                <a:spcPct val="100000"/>
+              </a:lnSpc>
               <a:spcBef>
                 <a:spcPts val="1417"/>
               </a:spcBef>
@@ -4969,7 +6713,7 @@
       </p:grpSpPr>
       <p:pic>
         <p:nvPicPr>
-          <p:cNvPr id="54" name="" descr=""/>
+          <p:cNvPr id="89" name="" descr=""/>
           <p:cNvPicPr/>
           <p:nvPr/>
         </p:nvPicPr>
@@ -4980,7 +6724,7 @@
         <p:spPr>
           <a:xfrm>
             <a:off x="-15840" y="457200"/>
-            <a:ext cx="10115280" cy="5029200"/>
+            <a:ext cx="10114920" cy="5028840"/>
           </a:xfrm>
           <a:prstGeom prst="rect">
             <a:avLst/>
@@ -5022,7 +6766,7 @@
       </p:grpSpPr>
       <p:pic>
         <p:nvPicPr>
-          <p:cNvPr id="55" name="" descr=""/>
+          <p:cNvPr id="90" name="" descr=""/>
           <p:cNvPicPr/>
           <p:nvPr/>
         </p:nvPicPr>
@@ -5033,7 +6777,7 @@
         <p:spPr>
           <a:xfrm>
             <a:off x="-15840" y="457200"/>
-            <a:ext cx="10115280" cy="5029200"/>
+            <a:ext cx="10114920" cy="5028840"/>
           </a:xfrm>
           <a:prstGeom prst="rect">
             <a:avLst/>
@@ -5075,7 +6819,7 @@
       </p:grpSpPr>
       <p:pic>
         <p:nvPicPr>
-          <p:cNvPr id="56" name="" descr=""/>
+          <p:cNvPr id="91" name="" descr=""/>
           <p:cNvPicPr/>
           <p:nvPr/>
         </p:nvPicPr>
@@ -5086,7 +6830,7 @@
         <p:spPr>
           <a:xfrm>
             <a:off x="-15840" y="457200"/>
-            <a:ext cx="10115280" cy="5029200"/>
+            <a:ext cx="10114920" cy="5028840"/>
           </a:xfrm>
           <a:prstGeom prst="rect">
             <a:avLst/>
@@ -5128,14 +6872,14 @@
       </p:grpSpPr>
       <p:sp>
         <p:nvSpPr>
-          <p:cNvPr id="57" name=""/>
-          <p:cNvSpPr txBox="1"/>
+          <p:cNvPr id="92" name=""/>
+          <p:cNvSpPr/>
           <p:nvPr/>
         </p:nvSpPr>
         <p:spPr>
           <a:xfrm>
             <a:off x="504360" y="252720"/>
-            <a:ext cx="9071640" cy="1119240"/>
+            <a:ext cx="9071280" cy="1118880"/>
           </a:xfrm>
           <a:prstGeom prst="rect">
             <a:avLst/>
@@ -5145,12 +6889,22 @@
             <a:noFill/>
           </a:ln>
         </p:spPr>
+        <p:style>
+          <a:lnRef idx="0"/>
+          <a:fillRef idx="0"/>
+          <a:effectRef idx="0"/>
+          <a:fontRef idx="minor"/>
+        </p:style>
         <p:txBody>
           <a:bodyPr lIns="0" rIns="0" tIns="0" bIns="0" anchor="ctr">
             <a:noAutofit/>
           </a:bodyPr>
           <a:p>
-            <a:pPr algn="ctr"/>
+            <a:pPr algn="ctr">
+              <a:lnSpc>
+                <a:spcPct val="100000"/>
+              </a:lnSpc>
+            </a:pPr>
             <a:r>
               <a:rPr b="0" lang="en-US" sz="4400" spc="-1" strike="noStrike">
                 <a:latin typeface="Nimbus Sans"/>
@@ -5172,14 +6926,14 @@
       </p:sp>
       <p:sp>
         <p:nvSpPr>
-          <p:cNvPr id="58" name=""/>
-          <p:cNvSpPr txBox="1"/>
+          <p:cNvPr id="93" name=""/>
+          <p:cNvSpPr/>
           <p:nvPr/>
         </p:nvSpPr>
         <p:spPr>
           <a:xfrm>
             <a:off x="504360" y="1600200"/>
-            <a:ext cx="9071640" cy="3288240"/>
+            <a:ext cx="9071280" cy="3287880"/>
           </a:xfrm>
           <a:prstGeom prst="rect">
             <a:avLst/>
@@ -5189,12 +6943,21 @@
             <a:noFill/>
           </a:ln>
         </p:spPr>
+        <p:style>
+          <a:lnRef idx="0"/>
+          <a:fillRef idx="0"/>
+          <a:effectRef idx="0"/>
+          <a:fontRef idx="minor"/>
+        </p:style>
         <p:txBody>
           <a:bodyPr lIns="0" rIns="0" tIns="0" bIns="0">
             <a:normAutofit/>
           </a:bodyPr>
           <a:p>
-            <a:pPr marL="432000" indent="-324000">
+            <a:pPr marL="432000" indent="-323640">
+              <a:lnSpc>
+                <a:spcPct val="100000"/>
+              </a:lnSpc>
               <a:spcBef>
                 <a:spcPts val="1417"/>
               </a:spcBef>
@@ -5217,7 +6980,10 @@
             </a:endParaRPr>
           </a:p>
           <a:p>
-            <a:pPr marL="432000" indent="-324000">
+            <a:pPr marL="432000" indent="-323640">
+              <a:lnSpc>
+                <a:spcPct val="100000"/>
+              </a:lnSpc>
               <a:spcBef>
                 <a:spcPts val="1417"/>
               </a:spcBef>
@@ -5240,7 +7006,10 @@
             </a:endParaRPr>
           </a:p>
           <a:p>
-            <a:pPr marL="432000" indent="-324000">
+            <a:pPr marL="432000" indent="-323640">
+              <a:lnSpc>
+                <a:spcPct val="100000"/>
+              </a:lnSpc>
               <a:spcBef>
                 <a:spcPts val="1417"/>
               </a:spcBef>
@@ -5277,7 +7046,10 @@
             </a:endParaRPr>
           </a:p>
           <a:p>
-            <a:pPr marL="432000" indent="-324000">
+            <a:pPr marL="432000" indent="-323640">
+              <a:lnSpc>
+                <a:spcPct val="100000"/>
+              </a:lnSpc>
               <a:spcBef>
                 <a:spcPts val="1417"/>
               </a:spcBef>
@@ -5300,7 +7072,10 @@
             </a:endParaRPr>
           </a:p>
           <a:p>
-            <a:pPr marL="432000" indent="-324000">
+            <a:pPr marL="432000" indent="-323640">
+              <a:lnSpc>
+                <a:spcPct val="100000"/>
+              </a:lnSpc>
               <a:spcBef>
                 <a:spcPts val="1417"/>
               </a:spcBef>
@@ -5561,4 +7336,230 @@
     </a:fmtScheme>
   </a:themeElements>
 </a:theme>
+</file>
+
+<file path=ppt/theme/theme2.xml><?xml version="1.0" encoding="utf-8"?>
+<a:theme xmlns:a="http://schemas.openxmlformats.org/drawingml/2006/main" name="Office Theme">
+  <a:themeElements>
+    <a:clrScheme name="Office">
+      <a:dk1>
+        <a:sysClr val="windowText" lastClr="000000"/>
+      </a:dk1>
+      <a:lt1>
+        <a:sysClr val="window" lastClr="FFFFFF"/>
+      </a:lt1>
+      <a:dk2>
+        <a:srgbClr val="1f497d"/>
+      </a:dk2>
+      <a:lt2>
+        <a:srgbClr val="eeece1"/>
+      </a:lt2>
+      <a:accent1>
+        <a:srgbClr val="4f81bd"/>
+      </a:accent1>
+      <a:accent2>
+        <a:srgbClr val="c0504d"/>
+      </a:accent2>
+      <a:accent3>
+        <a:srgbClr val="9bbb59"/>
+      </a:accent3>
+      <a:accent4>
+        <a:srgbClr val="8064a2"/>
+      </a:accent4>
+      <a:accent5>
+        <a:srgbClr val="4bacc6"/>
+      </a:accent5>
+      <a:accent6>
+        <a:srgbClr val="f79646"/>
+      </a:accent6>
+      <a:hlink>
+        <a:srgbClr val="0000ff"/>
+      </a:hlink>
+      <a:folHlink>
+        <a:srgbClr val="800080"/>
+      </a:folHlink>
+    </a:clrScheme>
+    <a:fontScheme name="Office">
+      <a:majorFont>
+        <a:latin typeface="Arial"/>
+        <a:ea typeface="DejaVu Sans"/>
+        <a:cs typeface="DejaVu Sans"/>
+      </a:majorFont>
+      <a:minorFont>
+        <a:latin typeface="Arial"/>
+        <a:ea typeface="DejaVu Sans"/>
+        <a:cs typeface="DejaVu Sans"/>
+      </a:minorFont>
+    </a:fontScheme>
+    <a:fmtScheme name="Office">
+      <a:fillStyleLst>
+        <a:solidFill>
+          <a:schemeClr val="phClr"/>
+        </a:solidFill>
+        <a:gradFill rotWithShape="1">
+          <a:gsLst>
+            <a:gs pos="0">
+              <a:schemeClr val="phClr">
+                <a:tint val="50000"/>
+                <a:satMod val="300000"/>
+              </a:schemeClr>
+            </a:gs>
+            <a:gs pos="35000">
+              <a:schemeClr val="phClr">
+                <a:tint val="37000"/>
+                <a:satMod val="300000"/>
+              </a:schemeClr>
+            </a:gs>
+            <a:gs pos="100000">
+              <a:schemeClr val="phClr">
+                <a:tint val="15000"/>
+                <a:satMod val="350000"/>
+              </a:schemeClr>
+            </a:gs>
+          </a:gsLst>
+          <a:lin ang="16200000" scaled="1"/>
+        </a:gradFill>
+        <a:gradFill rotWithShape="1">
+          <a:gsLst>
+            <a:gs pos="0">
+              <a:schemeClr val="phClr">
+                <a:shade val="51000"/>
+                <a:satMod val="130000"/>
+              </a:schemeClr>
+            </a:gs>
+            <a:gs pos="80000">
+              <a:schemeClr val="phClr">
+                <a:shade val="93000"/>
+                <a:satMod val="130000"/>
+              </a:schemeClr>
+            </a:gs>
+            <a:gs pos="100000">
+              <a:schemeClr val="phClr">
+                <a:shade val="94000"/>
+                <a:satMod val="135000"/>
+              </a:schemeClr>
+            </a:gs>
+          </a:gsLst>
+          <a:lin ang="16200000" scaled="0"/>
+        </a:gradFill>
+      </a:fillStyleLst>
+      <a:lnStyleLst>
+        <a:ln w="9525" cap="flat" cmpd="sng" algn="ctr">
+          <a:solidFill>
+            <a:schemeClr val="phClr">
+              <a:shade val="95000"/>
+              <a:satMod val="105000"/>
+            </a:schemeClr>
+          </a:solidFill>
+          <a:prstDash val="solid"/>
+          <a:miter/>
+        </a:ln>
+        <a:ln w="25400" cap="flat" cmpd="sng" algn="ctr">
+          <a:solidFill>
+            <a:schemeClr val="phClr"/>
+          </a:solidFill>
+          <a:prstDash val="solid"/>
+          <a:miter/>
+        </a:ln>
+        <a:ln w="38100" cap="flat" cmpd="sng" algn="ctr">
+          <a:solidFill>
+            <a:schemeClr val="phClr"/>
+          </a:solidFill>
+          <a:prstDash val="solid"/>
+          <a:miter/>
+        </a:ln>
+      </a:lnStyleLst>
+      <a:effectStyleLst>
+        <a:effectStyle>
+          <a:effectLst>
+            <a:outerShdw blurRad="40000" dist="20000" dir="5400000" rotWithShape="0">
+              <a:srgbClr val="000000">
+                <a:alpha val="38000"/>
+              </a:srgbClr>
+            </a:outerShdw>
+          </a:effectLst>
+        </a:effectStyle>
+        <a:effectStyle>
+          <a:effectLst>
+            <a:outerShdw blurRad="40000" dist="23000" dir="5400000" rotWithShape="0">
+              <a:srgbClr val="000000">
+                <a:alpha val="35000"/>
+              </a:srgbClr>
+            </a:outerShdw>
+          </a:effectLst>
+        </a:effectStyle>
+        <a:effectStyle>
+          <a:effectLst>
+            <a:outerShdw blurRad="40000" dist="23000" dir="5400000" rotWithShape="0">
+              <a:srgbClr val="000000">
+                <a:alpha val="35000"/>
+              </a:srgbClr>
+            </a:outerShdw>
+          </a:effectLst>
+          <a:scene3d>
+            <a:camera prst="orthographicFront">
+              <a:rot lat="0" lon="0" rev="0"/>
+            </a:camera>
+            <a:lightRig rig="threePt" dir="t">
+              <a:rot lat="0" lon="0" rev="1200000"/>
+            </a:lightRig>
+          </a:scene3d>
+          <a:sp3d>
+            <a:bevelT w="63500" h="25400"/>
+          </a:sp3d>
+        </a:effectStyle>
+      </a:effectStyleLst>
+      <a:bgFillStyleLst>
+        <a:solidFill>
+          <a:schemeClr val="phClr"/>
+        </a:solidFill>
+        <a:gradFill rotWithShape="1">
+          <a:gsLst>
+            <a:gs pos="0">
+              <a:schemeClr val="phClr">
+                <a:tint val="40000"/>
+                <a:satMod val="350000"/>
+              </a:schemeClr>
+            </a:gs>
+            <a:gs pos="40000">
+              <a:schemeClr val="phClr">
+                <a:tint val="45000"/>
+                <a:shade val="99000"/>
+                <a:satMod val="350000"/>
+              </a:schemeClr>
+            </a:gs>
+            <a:gs pos="100000">
+              <a:schemeClr val="phClr">
+                <a:shade val="20000"/>
+                <a:satMod val="255000"/>
+              </a:schemeClr>
+            </a:gs>
+          </a:gsLst>
+          <a:path path="circle">
+            <a:fillToRect l="50000" t="-80000" r="50000" b="180000"/>
+          </a:path>
+        </a:gradFill>
+        <a:gradFill rotWithShape="1">
+          <a:gsLst>
+            <a:gs pos="0">
+              <a:schemeClr val="phClr">
+                <a:tint val="80000"/>
+                <a:satMod val="300000"/>
+              </a:schemeClr>
+            </a:gs>
+            <a:gs pos="100000">
+              <a:schemeClr val="phClr">
+                <a:shade val="30000"/>
+                <a:satMod val="200000"/>
+              </a:schemeClr>
+            </a:gs>
+          </a:gsLst>
+          <a:path path="circle">
+            <a:fillToRect l="50000" t="50000" r="50000" b="50000"/>
+          </a:path>
+        </a:gradFill>
+      </a:bgFillStyleLst>
+    </a:fmtScheme>
+  </a:themeElements>
+</a:theme>
 </file>